--- a/1-Introduction-to-Python/day-1/3-controlstructures/efl_Python_control_structures.pptx
+++ b/1-Introduction-to-Python/day-1/3-controlstructures/efl_Python_control_structures.pptx
@@ -381,7 +381,7 @@
           <a:p>
             <a:fld id="{F3A13F3E-182F-42AB-9C02-9D1B4C6BA521}" type="slidenum">
               <a:rPr lang="en-US" smtClean="0"/>
-              <a:t>‹#›</a:t>
+              <a:t>‹Nr.›</a:t>
             </a:fld>
             <a:endParaRPr lang="en-US"/>
           </a:p>
@@ -639,7 +639,7 @@
           <a:p>
             <a:fld id="{7F191C89-4718-45A6-AC23-C63D51274871}" type="slidenum">
               <a:rPr lang="en-US" smtClean="0"/>
-              <a:t>‹#›</a:t>
+              <a:t>‹Nr.›</a:t>
             </a:fld>
             <a:endParaRPr lang="en-US"/>
           </a:p>
@@ -2289,7 +2289,7 @@
             <a:fld id="{D8D72B80-E946-4464-BFE9-94ED4EE3C2C6}" type="slidenum">
               <a:rPr lang="en-US" smtClean="0"/>
               <a:pPr/>
-              <a:t>‹#›</a:t>
+              <a:t>‹Nr.›</a:t>
             </a:fld>
             <a:endParaRPr lang="en-US" dirty="0"/>
           </a:p>
@@ -2489,7 +2489,7 @@
           <a:p>
             <a:fld id="{D8D72B80-E946-4464-BFE9-94ED4EE3C2C6}" type="slidenum">
               <a:rPr lang="en-US" smtClean="0"/>
-              <a:t>‹#›</a:t>
+              <a:t>‹Nr.›</a:t>
             </a:fld>
             <a:endParaRPr lang="en-US"/>
           </a:p>
@@ -2742,7 +2742,7 @@
           <a:p>
             <a:fld id="{D8D72B80-E946-4464-BFE9-94ED4EE3C2C6}" type="slidenum">
               <a:rPr lang="en-US" smtClean="0"/>
-              <a:t>‹#›</a:t>
+              <a:t>‹Nr.›</a:t>
             </a:fld>
             <a:endParaRPr lang="en-US"/>
           </a:p>
@@ -3055,7 +3055,7 @@
             <a:fld id="{D8D72B80-E946-4464-BFE9-94ED4EE3C2C6}" type="slidenum">
               <a:rPr lang="en-US" smtClean="0"/>
               <a:pPr/>
-              <a:t>‹#›</a:t>
+              <a:t>‹Nr.›</a:t>
             </a:fld>
             <a:endParaRPr lang="en-US" dirty="0"/>
           </a:p>
@@ -6187,7 +6187,7 @@
           </a:p>
           <a:p>
             <a:r>
-              <a:rPr lang="en-US" sz="1600" b="1" dirty="0" err="1">
+              <a:rPr lang="en-US" sz="1600" b="1" dirty="0" err="1" smtClean="0">
                 <a:solidFill>
                   <a:srgbClr val="0000FF"/>
                 </a:solidFill>
@@ -6196,7 +6196,25 @@
               <a:t>elif</a:t>
             </a:r>
             <a:r>
-              <a:rPr lang="en-US" sz="1600" b="1" dirty="0">
+              <a:rPr lang="en-US" sz="1600" b="1" dirty="0" smtClean="0">
+                <a:solidFill>
+                  <a:srgbClr val="0000FF"/>
+                </a:solidFill>
+                <a:latin typeface="Courier New" panose="02070309020205020404" pitchFamily="49" charset="0"/>
+              </a:rPr>
+              <a:t> </a:t>
+            </a:r>
+            <a:r>
+              <a:rPr lang="en-US" sz="1600" dirty="0">
+                <a:solidFill>
+                  <a:srgbClr val="000000"/>
+                </a:solidFill>
+                <a:latin typeface="Courier New" panose="02070309020205020404" pitchFamily="49" charset="0"/>
+              </a:rPr>
+              <a:t>condition </a:t>
+            </a:r>
+            <a:r>
+              <a:rPr lang="en-US" sz="1600" b="1" dirty="0" smtClean="0">
                 <a:solidFill>
                   <a:srgbClr val="000080"/>
                 </a:solidFill>
@@ -6204,6 +6222,12 @@
               </a:rPr>
               <a:t>:</a:t>
             </a:r>
+            <a:endParaRPr lang="en-US" sz="1600" b="1" dirty="0">
+              <a:solidFill>
+                <a:srgbClr val="000080"/>
+              </a:solidFill>
+              <a:latin typeface="Courier New" panose="02070309020205020404" pitchFamily="49" charset="0"/>
+            </a:endParaRPr>
           </a:p>
           <a:p>
             <a:r>
@@ -6488,6 +6512,10 @@
                 <a:r>
                   <a:rPr lang="de-DE" sz="1400" dirty="0" err="1"/>
                   <a:t>condition</a:t>
+                </a:r>
+                <a:r>
+                  <a:rPr lang="de-DE" sz="1400" dirty="0"/>
+                  <a:t/>
                 </a:r>
                 <a:br>
                   <a:rPr lang="de-DE" sz="1400" dirty="0"/>
@@ -6837,6 +6865,10 @@
                 <a:r>
                   <a:rPr lang="de-DE" sz="800" dirty="0" err="1"/>
                   <a:t>condition</a:t>
+                </a:r>
+                <a:r>
+                  <a:rPr lang="de-DE" sz="800" dirty="0"/>
+                  <a:t/>
                 </a:r>
                 <a:br>
                   <a:rPr lang="de-DE" sz="800" dirty="0"/>
@@ -12654,6 +12686,1192 @@
           </a:p>
         </p:txBody>
       </p:sp>
+      <p:grpSp>
+        <p:nvGrpSpPr>
+          <p:cNvPr id="8" name="Group 7">
+            <a:extLst>
+              <a:ext uri="{FF2B5EF4-FFF2-40B4-BE49-F238E27FC236}">
+                <a16:creationId xmlns:a16="http://schemas.microsoft.com/office/drawing/2014/main" id="{606587BD-E1C7-4297-9F3C-7B9CC1798C8B}"/>
+              </a:ext>
+            </a:extLst>
+          </p:cNvPr>
+          <p:cNvGrpSpPr/>
+          <p:nvPr/>
+        </p:nvGrpSpPr>
+        <p:grpSpPr>
+          <a:xfrm>
+            <a:off x="6324743" y="1094073"/>
+            <a:ext cx="6096000" cy="1924654"/>
+            <a:chOff x="6324743" y="1175353"/>
+            <a:chExt cx="6096000" cy="1924654"/>
+          </a:xfrm>
+        </p:grpSpPr>
+        <p:grpSp>
+          <p:nvGrpSpPr>
+            <p:cNvPr id="3" name="Group 2">
+              <a:extLst>
+                <a:ext uri="{FF2B5EF4-FFF2-40B4-BE49-F238E27FC236}">
+                  <a16:creationId xmlns:a16="http://schemas.microsoft.com/office/drawing/2014/main" id="{7DB9A28E-F6A8-4011-A42A-73AA839EB0DB}"/>
+                </a:ext>
+              </a:extLst>
+            </p:cNvPr>
+            <p:cNvGrpSpPr/>
+            <p:nvPr/>
+          </p:nvGrpSpPr>
+          <p:grpSpPr>
+            <a:xfrm>
+              <a:off x="6324743" y="1175353"/>
+              <a:ext cx="3814938" cy="1924654"/>
+              <a:chOff x="6324743" y="1175353"/>
+              <a:chExt cx="3814938" cy="1924654"/>
+            </a:xfrm>
+          </p:grpSpPr>
+          <p:sp>
+            <p:nvSpPr>
+              <p:cNvPr id="10" name="Rectangle 9">
+                <a:extLst>
+                  <a:ext uri="{FF2B5EF4-FFF2-40B4-BE49-F238E27FC236}">
+                    <a16:creationId xmlns:a16="http://schemas.microsoft.com/office/drawing/2014/main" id="{62531BE9-0620-4A96-B9D7-3B21881EF46B}"/>
+                  </a:ext>
+                </a:extLst>
+              </p:cNvPr>
+              <p:cNvSpPr/>
+              <p:nvPr/>
+            </p:nvSpPr>
+            <p:spPr>
+              <a:xfrm>
+                <a:off x="6324743" y="1175353"/>
+                <a:ext cx="3814938" cy="1924654"/>
+              </a:xfrm>
+              <a:prstGeom prst="rect">
+                <a:avLst/>
+              </a:prstGeom>
+              <a:solidFill>
+                <a:schemeClr val="bg1">
+                  <a:lumMod val="85000"/>
+                </a:schemeClr>
+              </a:solidFill>
+              <a:ln>
+                <a:solidFill>
+                  <a:schemeClr val="tx1"/>
+                </a:solidFill>
+              </a:ln>
+            </p:spPr>
+            <p:style>
+              <a:lnRef idx="2">
+                <a:schemeClr val="accent1">
+                  <a:shade val="50000"/>
+                </a:schemeClr>
+              </a:lnRef>
+              <a:fillRef idx="1">
+                <a:schemeClr val="accent1"/>
+              </a:fillRef>
+              <a:effectRef idx="0">
+                <a:schemeClr val="accent1"/>
+              </a:effectRef>
+              <a:fontRef idx="minor">
+                <a:schemeClr val="lt1"/>
+              </a:fontRef>
+            </p:style>
+            <p:txBody>
+              <a:bodyPr rtlCol="0" anchor="ctr"/>
+              <a:lstStyle/>
+              <a:p>
+                <a:endParaRPr lang="en-US" sz="1600" b="1" dirty="0">
+                  <a:solidFill>
+                    <a:srgbClr val="0000FF"/>
+                  </a:solidFill>
+                  <a:latin typeface="Courier New" panose="02070309020205020404" pitchFamily="49" charset="0"/>
+                </a:endParaRPr>
+              </a:p>
+            </p:txBody>
+          </p:sp>
+          <p:sp>
+            <p:nvSpPr>
+              <p:cNvPr id="11" name="TextBox 10">
+                <a:extLst>
+                  <a:ext uri="{FF2B5EF4-FFF2-40B4-BE49-F238E27FC236}">
+                    <a16:creationId xmlns:a16="http://schemas.microsoft.com/office/drawing/2014/main" id="{AF3AFB0B-CC40-42B0-B065-C4733D76EB44}"/>
+                  </a:ext>
+                </a:extLst>
+              </p:cNvPr>
+              <p:cNvSpPr txBox="1"/>
+              <p:nvPr/>
+            </p:nvSpPr>
+            <p:spPr>
+              <a:xfrm>
+                <a:off x="6324743" y="1175353"/>
+                <a:ext cx="1589899" cy="338554"/>
+              </a:xfrm>
+              <a:prstGeom prst="rect">
+                <a:avLst/>
+              </a:prstGeom>
+              <a:noFill/>
+            </p:spPr>
+            <p:txBody>
+              <a:bodyPr wrap="square" rtlCol="0">
+                <a:spAutoFit/>
+              </a:bodyPr>
+              <a:lstStyle/>
+              <a:p>
+                <a:r>
+                  <a:rPr lang="de-DE" sz="1600" dirty="0"/>
+                  <a:t>Solution 1.1</a:t>
+                </a:r>
+                <a:endParaRPr lang="en-US" sz="1600" dirty="0"/>
+              </a:p>
+            </p:txBody>
+          </p:sp>
+        </p:grpSp>
+        <p:sp>
+          <p:nvSpPr>
+            <p:cNvPr id="2" name="Rectangle 1">
+              <a:extLst>
+                <a:ext uri="{FF2B5EF4-FFF2-40B4-BE49-F238E27FC236}">
+                  <a16:creationId xmlns:a16="http://schemas.microsoft.com/office/drawing/2014/main" id="{B899FEBC-C722-4022-98A9-5BF27780EC03}"/>
+                </a:ext>
+              </a:extLst>
+            </p:cNvPr>
+            <p:cNvSpPr/>
+            <p:nvPr/>
+          </p:nvSpPr>
+          <p:spPr>
+            <a:xfrm>
+              <a:off x="6324743" y="1592084"/>
+              <a:ext cx="6096000" cy="1446550"/>
+            </a:xfrm>
+            <a:prstGeom prst="rect">
+              <a:avLst/>
+            </a:prstGeom>
+          </p:spPr>
+          <p:txBody>
+            <a:bodyPr>
+              <a:spAutoFit/>
+            </a:bodyPr>
+            <a:lstStyle/>
+            <a:p>
+              <a:r>
+                <a:rPr lang="en-US" sz="1100" dirty="0">
+                  <a:solidFill>
+                    <a:srgbClr val="008000"/>
+                  </a:solidFill>
+                  <a:latin typeface="Courier New" panose="02070309020205020404" pitchFamily="49" charset="0"/>
+                </a:rPr>
+                <a:t>#returns minimum of both numbers</a:t>
+              </a:r>
+            </a:p>
+            <a:p>
+              <a:r>
+                <a:rPr lang="en-US" sz="1100" dirty="0">
+                  <a:solidFill>
+                    <a:srgbClr val="000000"/>
+                  </a:solidFill>
+                  <a:latin typeface="Courier New" panose="02070309020205020404" pitchFamily="49" charset="0"/>
+                </a:rPr>
+                <a:t>iNum1 </a:t>
+              </a:r>
+              <a:r>
+                <a:rPr lang="en-US" sz="1100" b="1" dirty="0">
+                  <a:solidFill>
+                    <a:srgbClr val="000080"/>
+                  </a:solidFill>
+                  <a:latin typeface="Courier New" panose="02070309020205020404" pitchFamily="49" charset="0"/>
+                </a:rPr>
+                <a:t>=</a:t>
+              </a:r>
+              <a:r>
+                <a:rPr lang="en-US" sz="1100" dirty="0">
+                  <a:solidFill>
+                    <a:srgbClr val="000000"/>
+                  </a:solidFill>
+                  <a:latin typeface="Courier New" panose="02070309020205020404" pitchFamily="49" charset="0"/>
+                </a:rPr>
+                <a:t> </a:t>
+              </a:r>
+              <a:r>
+                <a:rPr lang="en-US" sz="1100" dirty="0">
+                  <a:solidFill>
+                    <a:srgbClr val="FF0000"/>
+                  </a:solidFill>
+                  <a:latin typeface="Courier New" panose="02070309020205020404" pitchFamily="49" charset="0"/>
+                </a:rPr>
+                <a:t>8</a:t>
+              </a:r>
+            </a:p>
+            <a:p>
+              <a:r>
+                <a:rPr lang="en-US" sz="1100" dirty="0">
+                  <a:solidFill>
+                    <a:srgbClr val="000000"/>
+                  </a:solidFill>
+                  <a:latin typeface="Courier New" panose="02070309020205020404" pitchFamily="49" charset="0"/>
+                </a:rPr>
+                <a:t>iNum2 </a:t>
+              </a:r>
+              <a:r>
+                <a:rPr lang="en-US" sz="1100" b="1" dirty="0">
+                  <a:solidFill>
+                    <a:srgbClr val="000080"/>
+                  </a:solidFill>
+                  <a:latin typeface="Courier New" panose="02070309020205020404" pitchFamily="49" charset="0"/>
+                </a:rPr>
+                <a:t>=</a:t>
+              </a:r>
+              <a:r>
+                <a:rPr lang="en-US" sz="1100" dirty="0">
+                  <a:solidFill>
+                    <a:srgbClr val="000000"/>
+                  </a:solidFill>
+                  <a:latin typeface="Courier New" panose="02070309020205020404" pitchFamily="49" charset="0"/>
+                </a:rPr>
+                <a:t> </a:t>
+              </a:r>
+              <a:r>
+                <a:rPr lang="en-US" sz="1100" dirty="0">
+                  <a:solidFill>
+                    <a:srgbClr val="FF0000"/>
+                  </a:solidFill>
+                  <a:latin typeface="Courier New" panose="02070309020205020404" pitchFamily="49" charset="0"/>
+                </a:rPr>
+                <a:t>5</a:t>
+              </a:r>
+            </a:p>
+            <a:p>
+              <a:endParaRPr lang="en-US" sz="1100" b="1" dirty="0">
+                <a:solidFill>
+                  <a:srgbClr val="FF0000"/>
+                </a:solidFill>
+                <a:latin typeface="Courier New" panose="02070309020205020404" pitchFamily="49" charset="0"/>
+              </a:endParaRPr>
+            </a:p>
+            <a:p>
+              <a:r>
+                <a:rPr lang="en-US" sz="1100" b="1" dirty="0">
+                  <a:solidFill>
+                    <a:srgbClr val="0000FF"/>
+                  </a:solidFill>
+                  <a:latin typeface="Courier New" panose="02070309020205020404" pitchFamily="49" charset="0"/>
+                </a:rPr>
+                <a:t>if</a:t>
+              </a:r>
+              <a:r>
+                <a:rPr lang="en-US" sz="1100" dirty="0">
+                  <a:solidFill>
+                    <a:srgbClr val="000000"/>
+                  </a:solidFill>
+                  <a:latin typeface="Courier New" panose="02070309020205020404" pitchFamily="49" charset="0"/>
+                </a:rPr>
+                <a:t> iNum1 </a:t>
+              </a:r>
+              <a:r>
+                <a:rPr lang="en-US" sz="1100" b="1" dirty="0">
+                  <a:solidFill>
+                    <a:srgbClr val="000080"/>
+                  </a:solidFill>
+                  <a:latin typeface="Courier New" panose="02070309020205020404" pitchFamily="49" charset="0"/>
+                </a:rPr>
+                <a:t>&lt;=</a:t>
+              </a:r>
+              <a:r>
+                <a:rPr lang="en-US" sz="1100" dirty="0">
+                  <a:solidFill>
+                    <a:srgbClr val="000000"/>
+                  </a:solidFill>
+                  <a:latin typeface="Courier New" panose="02070309020205020404" pitchFamily="49" charset="0"/>
+                </a:rPr>
+                <a:t> iNum2:</a:t>
+              </a:r>
+            </a:p>
+            <a:p>
+              <a:r>
+                <a:rPr lang="en-US" sz="1100" b="1" dirty="0">
+                  <a:solidFill>
+                    <a:srgbClr val="0000FF"/>
+                  </a:solidFill>
+                  <a:latin typeface="Courier New" panose="02070309020205020404" pitchFamily="49" charset="0"/>
+                </a:rPr>
+                <a:t>    print</a:t>
+              </a:r>
+              <a:r>
+                <a:rPr lang="en-US" sz="1100" b="1" dirty="0">
+                  <a:solidFill>
+                    <a:srgbClr val="000080"/>
+                  </a:solidFill>
+                  <a:latin typeface="Courier New" panose="02070309020205020404" pitchFamily="49" charset="0"/>
+                </a:rPr>
+                <a:t>(</a:t>
+              </a:r>
+              <a:r>
+                <a:rPr lang="en-US" sz="1100" dirty="0">
+                  <a:solidFill>
+                    <a:srgbClr val="000000"/>
+                  </a:solidFill>
+                  <a:latin typeface="Courier New" panose="02070309020205020404" pitchFamily="49" charset="0"/>
+                </a:rPr>
+                <a:t>iNum1</a:t>
+              </a:r>
+              <a:r>
+                <a:rPr lang="en-US" sz="1100" b="1" dirty="0">
+                  <a:solidFill>
+                    <a:srgbClr val="000080"/>
+                  </a:solidFill>
+                  <a:latin typeface="Courier New" panose="02070309020205020404" pitchFamily="49" charset="0"/>
+                </a:rPr>
+                <a:t>)</a:t>
+              </a:r>
+              <a:r>
+                <a:rPr lang="en-US" sz="1100" dirty="0">
+                  <a:solidFill>
+                    <a:srgbClr val="000000"/>
+                  </a:solidFill>
+                  <a:latin typeface="Courier New" panose="02070309020205020404" pitchFamily="49" charset="0"/>
+                </a:rPr>
+                <a:t> </a:t>
+              </a:r>
+            </a:p>
+            <a:p>
+              <a:r>
+                <a:rPr lang="en-US" sz="1100" b="1" dirty="0">
+                  <a:solidFill>
+                    <a:srgbClr val="0000FF"/>
+                  </a:solidFill>
+                  <a:latin typeface="Courier New" panose="02070309020205020404" pitchFamily="49" charset="0"/>
+                </a:rPr>
+                <a:t>else</a:t>
+              </a:r>
+              <a:r>
+                <a:rPr lang="en-US" sz="1100" dirty="0">
+                  <a:latin typeface="Courier New" panose="02070309020205020404" pitchFamily="49" charset="0"/>
+                </a:rPr>
+                <a:t>:</a:t>
+              </a:r>
+            </a:p>
+            <a:p>
+              <a:r>
+                <a:rPr lang="en-US" sz="1100" b="1" dirty="0">
+                  <a:solidFill>
+                    <a:srgbClr val="0000FF"/>
+                  </a:solidFill>
+                  <a:latin typeface="Courier New" panose="02070309020205020404" pitchFamily="49" charset="0"/>
+                </a:rPr>
+                <a:t>    print</a:t>
+              </a:r>
+              <a:r>
+                <a:rPr lang="en-US" sz="1100" b="1" dirty="0">
+                  <a:solidFill>
+                    <a:srgbClr val="000080"/>
+                  </a:solidFill>
+                  <a:latin typeface="Courier New" panose="02070309020205020404" pitchFamily="49" charset="0"/>
+                </a:rPr>
+                <a:t>(</a:t>
+              </a:r>
+              <a:r>
+                <a:rPr lang="en-US" sz="1100" dirty="0">
+                  <a:solidFill>
+                    <a:srgbClr val="000000"/>
+                  </a:solidFill>
+                  <a:latin typeface="Courier New" panose="02070309020205020404" pitchFamily="49" charset="0"/>
+                </a:rPr>
+                <a:t>iNum2</a:t>
+              </a:r>
+              <a:r>
+                <a:rPr lang="en-US" sz="1100" b="1" dirty="0">
+                  <a:solidFill>
+                    <a:srgbClr val="000080"/>
+                  </a:solidFill>
+                  <a:latin typeface="Courier New" panose="02070309020205020404" pitchFamily="49" charset="0"/>
+                </a:rPr>
+                <a:t>)</a:t>
+              </a:r>
+              <a:endParaRPr lang="en-US" sz="2400" dirty="0"/>
+            </a:p>
+          </p:txBody>
+        </p:sp>
+      </p:grpSp>
+      <p:grpSp>
+        <p:nvGrpSpPr>
+          <p:cNvPr id="13" name="Group 12">
+            <a:extLst>
+              <a:ext uri="{FF2B5EF4-FFF2-40B4-BE49-F238E27FC236}">
+                <a16:creationId xmlns:a16="http://schemas.microsoft.com/office/drawing/2014/main" id="{C0FF10B3-5321-4ABF-99FF-6CDE29050E6D}"/>
+              </a:ext>
+            </a:extLst>
+          </p:cNvPr>
+          <p:cNvGrpSpPr/>
+          <p:nvPr/>
+        </p:nvGrpSpPr>
+        <p:grpSpPr>
+          <a:xfrm>
+            <a:off x="6324743" y="3368041"/>
+            <a:ext cx="6096000" cy="2605498"/>
+            <a:chOff x="4043681" y="3246662"/>
+            <a:chExt cx="6096000" cy="2605498"/>
+          </a:xfrm>
+        </p:grpSpPr>
+        <p:grpSp>
+          <p:nvGrpSpPr>
+            <p:cNvPr id="18" name="Group 17">
+              <a:extLst>
+                <a:ext uri="{FF2B5EF4-FFF2-40B4-BE49-F238E27FC236}">
+                  <a16:creationId xmlns:a16="http://schemas.microsoft.com/office/drawing/2014/main" id="{67BF8C58-B09E-4680-BAC9-ED53472E1E74}"/>
+                </a:ext>
+              </a:extLst>
+            </p:cNvPr>
+            <p:cNvGrpSpPr/>
+            <p:nvPr/>
+          </p:nvGrpSpPr>
+          <p:grpSpPr>
+            <a:xfrm>
+              <a:off x="4043681" y="3246662"/>
+              <a:ext cx="3814938" cy="2605498"/>
+              <a:chOff x="6324743" y="1175353"/>
+              <a:chExt cx="3814938" cy="1924654"/>
+            </a:xfrm>
+          </p:grpSpPr>
+          <p:sp>
+            <p:nvSpPr>
+              <p:cNvPr id="20" name="Rectangle 19">
+                <a:extLst>
+                  <a:ext uri="{FF2B5EF4-FFF2-40B4-BE49-F238E27FC236}">
+                    <a16:creationId xmlns:a16="http://schemas.microsoft.com/office/drawing/2014/main" id="{D655749D-8A80-40D3-AB83-6CD8B5430FDD}"/>
+                  </a:ext>
+                </a:extLst>
+              </p:cNvPr>
+              <p:cNvSpPr/>
+              <p:nvPr/>
+            </p:nvSpPr>
+            <p:spPr>
+              <a:xfrm>
+                <a:off x="6324743" y="1175353"/>
+                <a:ext cx="3814938" cy="1924654"/>
+              </a:xfrm>
+              <a:prstGeom prst="rect">
+                <a:avLst/>
+              </a:prstGeom>
+              <a:solidFill>
+                <a:schemeClr val="bg1">
+                  <a:lumMod val="85000"/>
+                </a:schemeClr>
+              </a:solidFill>
+              <a:ln>
+                <a:solidFill>
+                  <a:schemeClr val="tx1"/>
+                </a:solidFill>
+              </a:ln>
+            </p:spPr>
+            <p:style>
+              <a:lnRef idx="2">
+                <a:schemeClr val="accent1">
+                  <a:shade val="50000"/>
+                </a:schemeClr>
+              </a:lnRef>
+              <a:fillRef idx="1">
+                <a:schemeClr val="accent1"/>
+              </a:fillRef>
+              <a:effectRef idx="0">
+                <a:schemeClr val="accent1"/>
+              </a:effectRef>
+              <a:fontRef idx="minor">
+                <a:schemeClr val="lt1"/>
+              </a:fontRef>
+            </p:style>
+            <p:txBody>
+              <a:bodyPr rtlCol="0" anchor="ctr"/>
+              <a:lstStyle/>
+              <a:p>
+                <a:endParaRPr lang="en-US" sz="1600" b="1" dirty="0">
+                  <a:solidFill>
+                    <a:srgbClr val="0000FF"/>
+                  </a:solidFill>
+                  <a:latin typeface="Courier New" panose="02070309020205020404" pitchFamily="49" charset="0"/>
+                </a:endParaRPr>
+              </a:p>
+            </p:txBody>
+          </p:sp>
+          <p:sp>
+            <p:nvSpPr>
+              <p:cNvPr id="21" name="TextBox 20">
+                <a:extLst>
+                  <a:ext uri="{FF2B5EF4-FFF2-40B4-BE49-F238E27FC236}">
+                    <a16:creationId xmlns:a16="http://schemas.microsoft.com/office/drawing/2014/main" id="{3F18CFCA-8ED1-4F52-BA58-3C57EF964467}"/>
+                  </a:ext>
+                </a:extLst>
+              </p:cNvPr>
+              <p:cNvSpPr txBox="1"/>
+              <p:nvPr/>
+            </p:nvSpPr>
+            <p:spPr>
+              <a:xfrm>
+                <a:off x="6324743" y="1175353"/>
+                <a:ext cx="1589899" cy="250086"/>
+              </a:xfrm>
+              <a:prstGeom prst="rect">
+                <a:avLst/>
+              </a:prstGeom>
+              <a:noFill/>
+            </p:spPr>
+            <p:txBody>
+              <a:bodyPr wrap="square" rtlCol="0">
+                <a:spAutoFit/>
+              </a:bodyPr>
+              <a:lstStyle/>
+              <a:p>
+                <a:r>
+                  <a:rPr lang="de-DE" sz="1600" dirty="0"/>
+                  <a:t>Solution 1.2</a:t>
+                </a:r>
+                <a:endParaRPr lang="en-US" sz="1600" dirty="0"/>
+              </a:p>
+            </p:txBody>
+          </p:sp>
+        </p:grpSp>
+        <p:sp>
+          <p:nvSpPr>
+            <p:cNvPr id="12" name="Rectangle 11">
+              <a:extLst>
+                <a:ext uri="{FF2B5EF4-FFF2-40B4-BE49-F238E27FC236}">
+                  <a16:creationId xmlns:a16="http://schemas.microsoft.com/office/drawing/2014/main" id="{3E07B84B-D3C9-4A5B-90F9-82E4FF45FC06}"/>
+                </a:ext>
+              </a:extLst>
+            </p:cNvPr>
+            <p:cNvSpPr/>
+            <p:nvPr/>
+          </p:nvSpPr>
+          <p:spPr>
+            <a:xfrm>
+              <a:off x="4043681" y="3559225"/>
+              <a:ext cx="6096000" cy="2292935"/>
+            </a:xfrm>
+            <a:prstGeom prst="rect">
+              <a:avLst/>
+            </a:prstGeom>
+          </p:spPr>
+          <p:txBody>
+            <a:bodyPr>
+              <a:spAutoFit/>
+            </a:bodyPr>
+            <a:lstStyle/>
+            <a:p>
+              <a:r>
+                <a:rPr lang="en-US" sz="1100" dirty="0">
+                  <a:solidFill>
+                    <a:srgbClr val="008000"/>
+                  </a:solidFill>
+                  <a:latin typeface="Courier New" panose="02070309020205020404" pitchFamily="49" charset="0"/>
+                </a:rPr>
+                <a:t>#prints grade based on received points</a:t>
+              </a:r>
+            </a:p>
+            <a:p>
+              <a:r>
+                <a:rPr lang="en-US" sz="1100" dirty="0" err="1">
+                  <a:solidFill>
+                    <a:srgbClr val="000000"/>
+                  </a:solidFill>
+                  <a:latin typeface="Courier New" panose="02070309020205020404" pitchFamily="49" charset="0"/>
+                </a:rPr>
+                <a:t>iPoints</a:t>
+              </a:r>
+              <a:r>
+                <a:rPr lang="en-US" sz="1100" dirty="0">
+                  <a:solidFill>
+                    <a:srgbClr val="000000"/>
+                  </a:solidFill>
+                  <a:latin typeface="Courier New" panose="02070309020205020404" pitchFamily="49" charset="0"/>
+                </a:rPr>
+                <a:t> </a:t>
+              </a:r>
+              <a:r>
+                <a:rPr lang="en-US" sz="1100" b="1" dirty="0">
+                  <a:solidFill>
+                    <a:srgbClr val="000080"/>
+                  </a:solidFill>
+                  <a:latin typeface="Courier New" panose="02070309020205020404" pitchFamily="49" charset="0"/>
+                </a:rPr>
+                <a:t>=</a:t>
+              </a:r>
+              <a:r>
+                <a:rPr lang="en-US" sz="1100" dirty="0">
+                  <a:solidFill>
+                    <a:srgbClr val="000000"/>
+                  </a:solidFill>
+                  <a:latin typeface="Courier New" panose="02070309020205020404" pitchFamily="49" charset="0"/>
+                </a:rPr>
+                <a:t> </a:t>
+              </a:r>
+              <a:r>
+                <a:rPr lang="en-US" sz="1100" dirty="0">
+                  <a:solidFill>
+                    <a:srgbClr val="FF0000"/>
+                  </a:solidFill>
+                  <a:latin typeface="Courier New" panose="02070309020205020404" pitchFamily="49" charset="0"/>
+                </a:rPr>
+                <a:t>77</a:t>
+              </a:r>
+            </a:p>
+            <a:p>
+              <a:endParaRPr lang="en-US" sz="1100" b="1" dirty="0">
+                <a:solidFill>
+                  <a:srgbClr val="FF0000"/>
+                </a:solidFill>
+                <a:latin typeface="Courier New" panose="02070309020205020404" pitchFamily="49" charset="0"/>
+              </a:endParaRPr>
+            </a:p>
+            <a:p>
+              <a:r>
+                <a:rPr lang="en-US" sz="1100" b="1" dirty="0">
+                  <a:solidFill>
+                    <a:srgbClr val="0000FF"/>
+                  </a:solidFill>
+                  <a:latin typeface="Courier New" panose="02070309020205020404" pitchFamily="49" charset="0"/>
+                </a:rPr>
+                <a:t>if</a:t>
+              </a:r>
+              <a:r>
+                <a:rPr lang="en-US" sz="1100" dirty="0">
+                  <a:solidFill>
+                    <a:srgbClr val="000000"/>
+                  </a:solidFill>
+                  <a:latin typeface="Courier New" panose="02070309020205020404" pitchFamily="49" charset="0"/>
+                </a:rPr>
+                <a:t> </a:t>
+              </a:r>
+              <a:r>
+                <a:rPr lang="en-US" sz="1100" dirty="0" err="1">
+                  <a:solidFill>
+                    <a:srgbClr val="000000"/>
+                  </a:solidFill>
+                  <a:latin typeface="Courier New" panose="02070309020205020404" pitchFamily="49" charset="0"/>
+                </a:rPr>
+                <a:t>iPoints</a:t>
+              </a:r>
+              <a:r>
+                <a:rPr lang="en-US" sz="1100" dirty="0">
+                  <a:solidFill>
+                    <a:srgbClr val="000000"/>
+                  </a:solidFill>
+                  <a:latin typeface="Courier New" panose="02070309020205020404" pitchFamily="49" charset="0"/>
+                </a:rPr>
+                <a:t> </a:t>
+              </a:r>
+              <a:r>
+                <a:rPr lang="en-US" sz="1100" b="1" dirty="0">
+                  <a:solidFill>
+                    <a:srgbClr val="000080"/>
+                  </a:solidFill>
+                  <a:latin typeface="Courier New" panose="02070309020205020404" pitchFamily="49" charset="0"/>
+                </a:rPr>
+                <a:t>&gt;=</a:t>
+              </a:r>
+              <a:r>
+                <a:rPr lang="en-US" sz="1100" dirty="0">
+                  <a:solidFill>
+                    <a:srgbClr val="000000"/>
+                  </a:solidFill>
+                  <a:latin typeface="Courier New" panose="02070309020205020404" pitchFamily="49" charset="0"/>
+                </a:rPr>
+                <a:t> </a:t>
+              </a:r>
+              <a:r>
+                <a:rPr lang="en-US" sz="1100" dirty="0">
+                  <a:solidFill>
+                    <a:srgbClr val="FF0000"/>
+                  </a:solidFill>
+                  <a:latin typeface="Courier New" panose="02070309020205020404" pitchFamily="49" charset="0"/>
+                </a:rPr>
+                <a:t>90</a:t>
+              </a:r>
+              <a:r>
+                <a:rPr lang="en-US" sz="1100" b="1" dirty="0">
+                  <a:solidFill>
+                    <a:srgbClr val="000080"/>
+                  </a:solidFill>
+                  <a:latin typeface="Courier New" panose="02070309020205020404" pitchFamily="49" charset="0"/>
+                </a:rPr>
+                <a:t>:</a:t>
+              </a:r>
+            </a:p>
+            <a:p>
+              <a:r>
+                <a:rPr lang="en-US" sz="1100" b="1" dirty="0">
+                  <a:solidFill>
+                    <a:srgbClr val="000080"/>
+                  </a:solidFill>
+                  <a:latin typeface="Courier New" panose="02070309020205020404" pitchFamily="49" charset="0"/>
+                </a:rPr>
+                <a:t>    </a:t>
+              </a:r>
+              <a:r>
+                <a:rPr lang="en-US" sz="1100" b="1" dirty="0">
+                  <a:solidFill>
+                    <a:srgbClr val="0000FF"/>
+                  </a:solidFill>
+                  <a:latin typeface="Courier New" panose="02070309020205020404" pitchFamily="49" charset="0"/>
+                </a:rPr>
+                <a:t>print</a:t>
+              </a:r>
+              <a:r>
+                <a:rPr lang="en-US" sz="1100" b="1" dirty="0">
+                  <a:solidFill>
+                    <a:srgbClr val="000080"/>
+                  </a:solidFill>
+                  <a:latin typeface="Courier New" panose="02070309020205020404" pitchFamily="49" charset="0"/>
+                </a:rPr>
+                <a:t>(</a:t>
+              </a:r>
+              <a:r>
+                <a:rPr lang="en-US" sz="1100" dirty="0">
+                  <a:solidFill>
+                    <a:srgbClr val="808080"/>
+                  </a:solidFill>
+                  <a:latin typeface="Courier New" panose="02070309020205020404" pitchFamily="49" charset="0"/>
+                </a:rPr>
+                <a:t>'Grade 1’</a:t>
+              </a:r>
+              <a:r>
+                <a:rPr lang="en-US" sz="1100" b="1" dirty="0">
+                  <a:solidFill>
+                    <a:srgbClr val="000080"/>
+                  </a:solidFill>
+                  <a:latin typeface="Courier New" panose="02070309020205020404" pitchFamily="49" charset="0"/>
+                </a:rPr>
+                <a:t>)</a:t>
+              </a:r>
+            </a:p>
+            <a:p>
+              <a:r>
+                <a:rPr lang="en-US" sz="1100" b="1" dirty="0" err="1">
+                  <a:solidFill>
+                    <a:srgbClr val="0000FF"/>
+                  </a:solidFill>
+                  <a:latin typeface="Courier New" panose="02070309020205020404" pitchFamily="49" charset="0"/>
+                </a:rPr>
+                <a:t>elif</a:t>
+              </a:r>
+              <a:r>
+                <a:rPr lang="en-US" sz="1100" dirty="0">
+                  <a:solidFill>
+                    <a:srgbClr val="000000"/>
+                  </a:solidFill>
+                  <a:latin typeface="Courier New" panose="02070309020205020404" pitchFamily="49" charset="0"/>
+                </a:rPr>
+                <a:t> </a:t>
+              </a:r>
+              <a:r>
+                <a:rPr lang="en-US" sz="1100" dirty="0" err="1">
+                  <a:solidFill>
+                    <a:srgbClr val="000000"/>
+                  </a:solidFill>
+                  <a:latin typeface="Courier New" panose="02070309020205020404" pitchFamily="49" charset="0"/>
+                </a:rPr>
+                <a:t>iPoints</a:t>
+              </a:r>
+              <a:r>
+                <a:rPr lang="en-US" sz="1100" dirty="0">
+                  <a:solidFill>
+                    <a:srgbClr val="000000"/>
+                  </a:solidFill>
+                  <a:latin typeface="Courier New" panose="02070309020205020404" pitchFamily="49" charset="0"/>
+                </a:rPr>
+                <a:t> </a:t>
+              </a:r>
+              <a:r>
+                <a:rPr lang="en-US" sz="1100" b="1" dirty="0">
+                  <a:solidFill>
+                    <a:srgbClr val="000080"/>
+                  </a:solidFill>
+                  <a:latin typeface="Courier New" panose="02070309020205020404" pitchFamily="49" charset="0"/>
+                </a:rPr>
+                <a:t>&gt;=</a:t>
+              </a:r>
+              <a:r>
+                <a:rPr lang="en-US" sz="1100" dirty="0">
+                  <a:solidFill>
+                    <a:srgbClr val="000000"/>
+                  </a:solidFill>
+                  <a:latin typeface="Courier New" panose="02070309020205020404" pitchFamily="49" charset="0"/>
+                </a:rPr>
+                <a:t> </a:t>
+              </a:r>
+              <a:r>
+                <a:rPr lang="en-US" sz="1100" dirty="0">
+                  <a:solidFill>
+                    <a:srgbClr val="FF0000"/>
+                  </a:solidFill>
+                  <a:latin typeface="Courier New" panose="02070309020205020404" pitchFamily="49" charset="0"/>
+                </a:rPr>
+                <a:t>75</a:t>
+              </a:r>
+              <a:r>
+                <a:rPr lang="en-US" sz="1100" b="1" dirty="0">
+                  <a:solidFill>
+                    <a:srgbClr val="000080"/>
+                  </a:solidFill>
+                  <a:latin typeface="Courier New" panose="02070309020205020404" pitchFamily="49" charset="0"/>
+                </a:rPr>
+                <a:t>:</a:t>
+              </a:r>
+            </a:p>
+            <a:p>
+              <a:r>
+                <a:rPr lang="en-US" sz="1100" b="1" dirty="0">
+                  <a:solidFill>
+                    <a:srgbClr val="000080"/>
+                  </a:solidFill>
+                  <a:latin typeface="Courier New" panose="02070309020205020404" pitchFamily="49" charset="0"/>
+                </a:rPr>
+                <a:t>    </a:t>
+              </a:r>
+              <a:r>
+                <a:rPr lang="en-US" sz="1100" b="1" dirty="0">
+                  <a:solidFill>
+                    <a:srgbClr val="0000FF"/>
+                  </a:solidFill>
+                  <a:latin typeface="Courier New" panose="02070309020205020404" pitchFamily="49" charset="0"/>
+                </a:rPr>
+                <a:t>print</a:t>
+              </a:r>
+              <a:r>
+                <a:rPr lang="en-US" sz="1100" b="1" dirty="0">
+                  <a:solidFill>
+                    <a:srgbClr val="000080"/>
+                  </a:solidFill>
+                  <a:latin typeface="Courier New" panose="02070309020205020404" pitchFamily="49" charset="0"/>
+                </a:rPr>
+                <a:t>(</a:t>
+              </a:r>
+              <a:r>
+                <a:rPr lang="en-US" sz="1100" dirty="0">
+                  <a:solidFill>
+                    <a:srgbClr val="808080"/>
+                  </a:solidFill>
+                  <a:latin typeface="Courier New" panose="02070309020205020404" pitchFamily="49" charset="0"/>
+                </a:rPr>
+                <a:t>'Grade 2’</a:t>
+              </a:r>
+              <a:r>
+                <a:rPr lang="en-US" sz="1100" b="1" dirty="0">
+                  <a:solidFill>
+                    <a:srgbClr val="000080"/>
+                  </a:solidFill>
+                  <a:latin typeface="Courier New" panose="02070309020205020404" pitchFamily="49" charset="0"/>
+                </a:rPr>
+                <a:t>)</a:t>
+              </a:r>
+            </a:p>
+            <a:p>
+              <a:r>
+                <a:rPr lang="en-US" sz="1100" b="1" dirty="0" err="1">
+                  <a:solidFill>
+                    <a:srgbClr val="0000FF"/>
+                  </a:solidFill>
+                  <a:latin typeface="Courier New" panose="02070309020205020404" pitchFamily="49" charset="0"/>
+                </a:rPr>
+                <a:t>elif</a:t>
+              </a:r>
+              <a:r>
+                <a:rPr lang="en-US" sz="1100" dirty="0">
+                  <a:solidFill>
+                    <a:srgbClr val="000000"/>
+                  </a:solidFill>
+                  <a:latin typeface="Courier New" panose="02070309020205020404" pitchFamily="49" charset="0"/>
+                </a:rPr>
+                <a:t> </a:t>
+              </a:r>
+              <a:r>
+                <a:rPr lang="en-US" sz="1100" dirty="0" err="1">
+                  <a:solidFill>
+                    <a:srgbClr val="000000"/>
+                  </a:solidFill>
+                  <a:latin typeface="Courier New" panose="02070309020205020404" pitchFamily="49" charset="0"/>
+                </a:rPr>
+                <a:t>iPoints</a:t>
+              </a:r>
+              <a:r>
+                <a:rPr lang="en-US" sz="1100" dirty="0">
+                  <a:solidFill>
+                    <a:srgbClr val="000000"/>
+                  </a:solidFill>
+                  <a:latin typeface="Courier New" panose="02070309020205020404" pitchFamily="49" charset="0"/>
+                </a:rPr>
+                <a:t> </a:t>
+              </a:r>
+              <a:r>
+                <a:rPr lang="en-US" sz="1100" b="1" dirty="0">
+                  <a:solidFill>
+                    <a:srgbClr val="000080"/>
+                  </a:solidFill>
+                  <a:latin typeface="Courier New" panose="02070309020205020404" pitchFamily="49" charset="0"/>
+                </a:rPr>
+                <a:t>&gt;=</a:t>
+              </a:r>
+              <a:r>
+                <a:rPr lang="en-US" sz="1100" dirty="0">
+                  <a:solidFill>
+                    <a:srgbClr val="000000"/>
+                  </a:solidFill>
+                  <a:latin typeface="Courier New" panose="02070309020205020404" pitchFamily="49" charset="0"/>
+                </a:rPr>
+                <a:t> </a:t>
+              </a:r>
+              <a:r>
+                <a:rPr lang="en-US" sz="1100" dirty="0">
+                  <a:solidFill>
+                    <a:srgbClr val="FF0000"/>
+                  </a:solidFill>
+                  <a:latin typeface="Courier New" panose="02070309020205020404" pitchFamily="49" charset="0"/>
+                </a:rPr>
+                <a:t>60</a:t>
+              </a:r>
+              <a:r>
+                <a:rPr lang="en-US" sz="1100" b="1" dirty="0">
+                  <a:solidFill>
+                    <a:srgbClr val="000080"/>
+                  </a:solidFill>
+                  <a:latin typeface="Courier New" panose="02070309020205020404" pitchFamily="49" charset="0"/>
+                </a:rPr>
+                <a:t>:</a:t>
+              </a:r>
+            </a:p>
+            <a:p>
+              <a:r>
+                <a:rPr lang="en-US" sz="1100" b="1" dirty="0">
+                  <a:solidFill>
+                    <a:srgbClr val="000080"/>
+                  </a:solidFill>
+                  <a:latin typeface="Courier New" panose="02070309020205020404" pitchFamily="49" charset="0"/>
+                </a:rPr>
+                <a:t>    </a:t>
+              </a:r>
+              <a:r>
+                <a:rPr lang="en-US" sz="1100" b="1" dirty="0">
+                  <a:solidFill>
+                    <a:srgbClr val="0000FF"/>
+                  </a:solidFill>
+                  <a:latin typeface="Courier New" panose="02070309020205020404" pitchFamily="49" charset="0"/>
+                </a:rPr>
+                <a:t>print</a:t>
+              </a:r>
+              <a:r>
+                <a:rPr lang="en-US" sz="1100" b="1" dirty="0">
+                  <a:solidFill>
+                    <a:srgbClr val="000080"/>
+                  </a:solidFill>
+                  <a:latin typeface="Courier New" panose="02070309020205020404" pitchFamily="49" charset="0"/>
+                </a:rPr>
+                <a:t>(</a:t>
+              </a:r>
+              <a:r>
+                <a:rPr lang="en-US" sz="1100" dirty="0">
+                  <a:solidFill>
+                    <a:srgbClr val="808080"/>
+                  </a:solidFill>
+                  <a:latin typeface="Courier New" panose="02070309020205020404" pitchFamily="49" charset="0"/>
+                </a:rPr>
+                <a:t>'Grade 3’</a:t>
+              </a:r>
+              <a:r>
+                <a:rPr lang="en-US" sz="1100" b="1" dirty="0">
+                  <a:solidFill>
+                    <a:srgbClr val="000080"/>
+                  </a:solidFill>
+                  <a:latin typeface="Courier New" panose="02070309020205020404" pitchFamily="49" charset="0"/>
+                </a:rPr>
+                <a:t>)</a:t>
+              </a:r>
+            </a:p>
+            <a:p>
+              <a:r>
+                <a:rPr lang="en-US" sz="1100" b="1" dirty="0" err="1">
+                  <a:solidFill>
+                    <a:srgbClr val="0000FF"/>
+                  </a:solidFill>
+                  <a:latin typeface="Courier New" panose="02070309020205020404" pitchFamily="49" charset="0"/>
+                </a:rPr>
+                <a:t>elif</a:t>
+              </a:r>
+              <a:r>
+                <a:rPr lang="en-US" sz="1100" dirty="0">
+                  <a:solidFill>
+                    <a:srgbClr val="000000"/>
+                  </a:solidFill>
+                  <a:latin typeface="Courier New" panose="02070309020205020404" pitchFamily="49" charset="0"/>
+                </a:rPr>
+                <a:t> </a:t>
+              </a:r>
+              <a:r>
+                <a:rPr lang="en-US" sz="1100" dirty="0" err="1">
+                  <a:solidFill>
+                    <a:srgbClr val="000000"/>
+                  </a:solidFill>
+                  <a:latin typeface="Courier New" panose="02070309020205020404" pitchFamily="49" charset="0"/>
+                </a:rPr>
+                <a:t>iPoints</a:t>
+              </a:r>
+              <a:r>
+                <a:rPr lang="en-US" sz="1100" dirty="0">
+                  <a:solidFill>
+                    <a:srgbClr val="000000"/>
+                  </a:solidFill>
+                  <a:latin typeface="Courier New" panose="02070309020205020404" pitchFamily="49" charset="0"/>
+                </a:rPr>
+                <a:t> </a:t>
+              </a:r>
+              <a:r>
+                <a:rPr lang="en-US" sz="1100" b="1" dirty="0">
+                  <a:solidFill>
+                    <a:srgbClr val="000080"/>
+                  </a:solidFill>
+                  <a:latin typeface="Courier New" panose="02070309020205020404" pitchFamily="49" charset="0"/>
+                </a:rPr>
+                <a:t>&gt;=</a:t>
+              </a:r>
+              <a:r>
+                <a:rPr lang="en-US" sz="1100" dirty="0">
+                  <a:solidFill>
+                    <a:srgbClr val="000000"/>
+                  </a:solidFill>
+                  <a:latin typeface="Courier New" panose="02070309020205020404" pitchFamily="49" charset="0"/>
+                </a:rPr>
+                <a:t> </a:t>
+              </a:r>
+              <a:r>
+                <a:rPr lang="en-US" sz="1100" dirty="0">
+                  <a:solidFill>
+                    <a:srgbClr val="FF0000"/>
+                  </a:solidFill>
+                  <a:latin typeface="Courier New" panose="02070309020205020404" pitchFamily="49" charset="0"/>
+                </a:rPr>
+                <a:t>50</a:t>
+              </a:r>
+              <a:r>
+                <a:rPr lang="en-US" sz="1100" b="1" dirty="0">
+                  <a:solidFill>
+                    <a:srgbClr val="000080"/>
+                  </a:solidFill>
+                  <a:latin typeface="Courier New" panose="02070309020205020404" pitchFamily="49" charset="0"/>
+                </a:rPr>
+                <a:t>:</a:t>
+              </a:r>
+            </a:p>
+            <a:p>
+              <a:r>
+                <a:rPr lang="en-US" sz="1100" b="1" dirty="0">
+                  <a:solidFill>
+                    <a:srgbClr val="000080"/>
+                  </a:solidFill>
+                  <a:latin typeface="Courier New" panose="02070309020205020404" pitchFamily="49" charset="0"/>
+                </a:rPr>
+                <a:t>    </a:t>
+              </a:r>
+              <a:r>
+                <a:rPr lang="en-US" sz="1100" b="1" dirty="0">
+                  <a:solidFill>
+                    <a:srgbClr val="0000FF"/>
+                  </a:solidFill>
+                  <a:latin typeface="Courier New" panose="02070309020205020404" pitchFamily="49" charset="0"/>
+                </a:rPr>
+                <a:t>print</a:t>
+              </a:r>
+              <a:r>
+                <a:rPr lang="en-US" sz="1100" b="1" dirty="0">
+                  <a:solidFill>
+                    <a:srgbClr val="000080"/>
+                  </a:solidFill>
+                  <a:latin typeface="Courier New" panose="02070309020205020404" pitchFamily="49" charset="0"/>
+                </a:rPr>
+                <a:t>(</a:t>
+              </a:r>
+              <a:r>
+                <a:rPr lang="en-US" sz="1100" dirty="0">
+                  <a:solidFill>
+                    <a:srgbClr val="808080"/>
+                  </a:solidFill>
+                  <a:latin typeface="Courier New" panose="02070309020205020404" pitchFamily="49" charset="0"/>
+                </a:rPr>
+                <a:t>'Grade 4’</a:t>
+              </a:r>
+              <a:r>
+                <a:rPr lang="en-US" sz="1100" b="1" dirty="0">
+                  <a:solidFill>
+                    <a:srgbClr val="000080"/>
+                  </a:solidFill>
+                  <a:latin typeface="Courier New" panose="02070309020205020404" pitchFamily="49" charset="0"/>
+                </a:rPr>
+                <a:t>)</a:t>
+              </a:r>
+            </a:p>
+            <a:p>
+              <a:r>
+                <a:rPr lang="en-US" sz="1100" b="1" dirty="0">
+                  <a:solidFill>
+                    <a:srgbClr val="0000FF"/>
+                  </a:solidFill>
+                  <a:latin typeface="Courier New" panose="02070309020205020404" pitchFamily="49" charset="0"/>
+                </a:rPr>
+                <a:t>else</a:t>
+              </a:r>
+              <a:r>
+                <a:rPr lang="en-US" sz="1100" b="1" dirty="0">
+                  <a:solidFill>
+                    <a:srgbClr val="000080"/>
+                  </a:solidFill>
+                  <a:latin typeface="Courier New" panose="02070309020205020404" pitchFamily="49" charset="0"/>
+                </a:rPr>
+                <a:t>:</a:t>
+              </a:r>
+            </a:p>
+            <a:p>
+              <a:r>
+                <a:rPr lang="en-US" sz="1100" b="1" dirty="0">
+                  <a:solidFill>
+                    <a:srgbClr val="000080"/>
+                  </a:solidFill>
+                  <a:latin typeface="Courier New" panose="02070309020205020404" pitchFamily="49" charset="0"/>
+                </a:rPr>
+                <a:t>    </a:t>
+              </a:r>
+              <a:r>
+                <a:rPr lang="en-US" sz="1100" b="1" dirty="0">
+                  <a:solidFill>
+                    <a:srgbClr val="0000FF"/>
+                  </a:solidFill>
+                  <a:latin typeface="Courier New" panose="02070309020205020404" pitchFamily="49" charset="0"/>
+                </a:rPr>
+                <a:t>print</a:t>
+              </a:r>
+              <a:r>
+                <a:rPr lang="en-US" sz="1100" b="1" dirty="0">
+                  <a:solidFill>
+                    <a:srgbClr val="000080"/>
+                  </a:solidFill>
+                  <a:latin typeface="Courier New" panose="02070309020205020404" pitchFamily="49" charset="0"/>
+                </a:rPr>
+                <a:t>(</a:t>
+              </a:r>
+              <a:r>
+                <a:rPr lang="en-US" sz="1100" dirty="0">
+                  <a:solidFill>
+                    <a:srgbClr val="808080"/>
+                  </a:solidFill>
+                  <a:latin typeface="Courier New" panose="02070309020205020404" pitchFamily="49" charset="0"/>
+                </a:rPr>
+                <a:t>'Grade 5'</a:t>
+              </a:r>
+              <a:r>
+                <a:rPr lang="en-US" sz="1100" b="1" dirty="0">
+                  <a:solidFill>
+                    <a:srgbClr val="000080"/>
+                  </a:solidFill>
+                  <a:latin typeface="Courier New" panose="02070309020205020404" pitchFamily="49" charset="0"/>
+                </a:rPr>
+                <a:t>)</a:t>
+              </a:r>
+              <a:endParaRPr lang="en-US" sz="2400" dirty="0"/>
+            </a:p>
+          </p:txBody>
+        </p:sp>
+      </p:grpSp>
     </p:spTree>
     <p:extLst>
       <p:ext uri="{BB962C8B-B14F-4D97-AF65-F5344CB8AC3E}">
@@ -12664,6 +13882,126 @@
   <p:clrMapOvr>
     <a:masterClrMapping/>
   </p:clrMapOvr>
+  <p:timing>
+    <p:tnLst>
+      <p:par>
+        <p:cTn id="1" dur="indefinite" restart="never" nodeType="tmRoot">
+          <p:childTnLst>
+            <p:seq concurrent="1" nextAc="seek">
+              <p:cTn id="2" dur="indefinite" nodeType="mainSeq">
+                <p:childTnLst>
+                  <p:par>
+                    <p:cTn id="3" fill="hold">
+                      <p:stCondLst>
+                        <p:cond delay="indefinite"/>
+                      </p:stCondLst>
+                      <p:childTnLst>
+                        <p:par>
+                          <p:cTn id="4" fill="hold">
+                            <p:stCondLst>
+                              <p:cond delay="0"/>
+                            </p:stCondLst>
+                            <p:childTnLst>
+                              <p:par>
+                                <p:cTn id="5" presetID="1" presetClass="entr" presetSubtype="0" fill="hold" nodeType="clickEffect">
+                                  <p:stCondLst>
+                                    <p:cond delay="0"/>
+                                  </p:stCondLst>
+                                  <p:childTnLst>
+                                    <p:set>
+                                      <p:cBhvr>
+                                        <p:cTn id="6" dur="1" fill="hold">
+                                          <p:stCondLst>
+                                            <p:cond delay="0"/>
+                                          </p:stCondLst>
+                                        </p:cTn>
+                                        <p:tgtEl>
+                                          <p:spTgt spid="8"/>
+                                        </p:tgtEl>
+                                        <p:attrNameLst>
+                                          <p:attrName>style.visibility</p:attrName>
+                                        </p:attrNameLst>
+                                      </p:cBhvr>
+                                      <p:to>
+                                        <p:strVal val="visible"/>
+                                      </p:to>
+                                    </p:set>
+                                  </p:childTnLst>
+                                </p:cTn>
+                              </p:par>
+                            </p:childTnLst>
+                          </p:cTn>
+                        </p:par>
+                      </p:childTnLst>
+                    </p:cTn>
+                  </p:par>
+                  <p:par>
+                    <p:cTn id="7" fill="hold">
+                      <p:stCondLst>
+                        <p:cond delay="indefinite"/>
+                      </p:stCondLst>
+                      <p:childTnLst>
+                        <p:par>
+                          <p:cTn id="8" fill="hold">
+                            <p:stCondLst>
+                              <p:cond delay="0"/>
+                            </p:stCondLst>
+                            <p:childTnLst>
+                              <p:par>
+                                <p:cTn id="9" presetID="1" presetClass="entr" presetSubtype="0" fill="hold" nodeType="clickEffect">
+                                  <p:stCondLst>
+                                    <p:cond delay="0"/>
+                                  </p:stCondLst>
+                                  <p:childTnLst>
+                                    <p:set>
+                                      <p:cBhvr>
+                                        <p:cTn id="10" dur="1" fill="hold">
+                                          <p:stCondLst>
+                                            <p:cond delay="0"/>
+                                          </p:stCondLst>
+                                        </p:cTn>
+                                        <p:tgtEl>
+                                          <p:spTgt spid="13"/>
+                                        </p:tgtEl>
+                                        <p:attrNameLst>
+                                          <p:attrName>style.visibility</p:attrName>
+                                        </p:attrNameLst>
+                                      </p:cBhvr>
+                                      <p:to>
+                                        <p:strVal val="visible"/>
+                                      </p:to>
+                                    </p:set>
+                                  </p:childTnLst>
+                                </p:cTn>
+                              </p:par>
+                            </p:childTnLst>
+                          </p:cTn>
+                        </p:par>
+                      </p:childTnLst>
+                    </p:cTn>
+                  </p:par>
+                </p:childTnLst>
+              </p:cTn>
+              <p:prevCondLst>
+                <p:cond evt="onPrev" delay="0">
+                  <p:tgtEl>
+                    <p:sldTgt/>
+                  </p:tgtEl>
+                </p:cond>
+              </p:prevCondLst>
+              <p:nextCondLst>
+                <p:cond evt="onNext" delay="0">
+                  <p:tgtEl>
+                    <p:sldTgt/>
+                  </p:tgtEl>
+                </p:cond>
+              </p:nextCondLst>
+            </p:seq>
+          </p:childTnLst>
+        </p:cTn>
+      </p:par>
+    </p:tnLst>
+  </p:timing>
 </p:sld>
 </file>
 
@@ -13625,6 +14963,224 @@
           </a:p>
         </p:txBody>
       </p:sp>
+      <p:grpSp>
+        <p:nvGrpSpPr>
+          <p:cNvPr id="3" name="Group 2">
+            <a:extLst>
+              <a:ext uri="{FF2B5EF4-FFF2-40B4-BE49-F238E27FC236}">
+                <a16:creationId xmlns:a16="http://schemas.microsoft.com/office/drawing/2014/main" id="{7DB9A28E-F6A8-4011-A42A-73AA839EB0DB}"/>
+              </a:ext>
+            </a:extLst>
+          </p:cNvPr>
+          <p:cNvGrpSpPr/>
+          <p:nvPr/>
+        </p:nvGrpSpPr>
+        <p:grpSpPr>
+          <a:xfrm>
+            <a:off x="6324743" y="1094072"/>
+            <a:ext cx="3814938" cy="4633627"/>
+            <a:chOff x="6324743" y="1175353"/>
+            <a:chExt cx="3814938" cy="1924654"/>
+          </a:xfrm>
+        </p:grpSpPr>
+        <p:sp>
+          <p:nvSpPr>
+            <p:cNvPr id="10" name="Rectangle 9">
+              <a:extLst>
+                <a:ext uri="{FF2B5EF4-FFF2-40B4-BE49-F238E27FC236}">
+                  <a16:creationId xmlns:a16="http://schemas.microsoft.com/office/drawing/2014/main" id="{62531BE9-0620-4A96-B9D7-3B21881EF46B}"/>
+                </a:ext>
+              </a:extLst>
+            </p:cNvPr>
+            <p:cNvSpPr/>
+            <p:nvPr/>
+          </p:nvSpPr>
+          <p:spPr>
+            <a:xfrm>
+              <a:off x="6324743" y="1175353"/>
+              <a:ext cx="3814938" cy="1924654"/>
+            </a:xfrm>
+            <a:prstGeom prst="rect">
+              <a:avLst/>
+            </a:prstGeom>
+            <a:solidFill>
+              <a:schemeClr val="bg1">
+                <a:lumMod val="85000"/>
+              </a:schemeClr>
+            </a:solidFill>
+            <a:ln>
+              <a:solidFill>
+                <a:schemeClr val="tx1"/>
+              </a:solidFill>
+            </a:ln>
+          </p:spPr>
+          <p:style>
+            <a:lnRef idx="2">
+              <a:schemeClr val="accent1">
+                <a:shade val="50000"/>
+              </a:schemeClr>
+            </a:lnRef>
+            <a:fillRef idx="1">
+              <a:schemeClr val="accent1"/>
+            </a:fillRef>
+            <a:effectRef idx="0">
+              <a:schemeClr val="accent1"/>
+            </a:effectRef>
+            <a:fontRef idx="minor">
+              <a:schemeClr val="lt1"/>
+            </a:fontRef>
+          </p:style>
+          <p:txBody>
+            <a:bodyPr rtlCol="0" anchor="ctr"/>
+            <a:lstStyle/>
+            <a:p>
+              <a:endParaRPr lang="en-US" sz="1600" b="1" dirty="0">
+                <a:solidFill>
+                  <a:srgbClr val="0000FF"/>
+                </a:solidFill>
+                <a:latin typeface="Courier New" panose="02070309020205020404" pitchFamily="49" charset="0"/>
+              </a:endParaRPr>
+            </a:p>
+          </p:txBody>
+        </p:sp>
+        <p:sp>
+          <p:nvSpPr>
+            <p:cNvPr id="11" name="TextBox 10">
+              <a:extLst>
+                <a:ext uri="{FF2B5EF4-FFF2-40B4-BE49-F238E27FC236}">
+                  <a16:creationId xmlns:a16="http://schemas.microsoft.com/office/drawing/2014/main" id="{AF3AFB0B-CC40-42B0-B065-C4733D76EB44}"/>
+                </a:ext>
+              </a:extLst>
+            </p:cNvPr>
+            <p:cNvSpPr txBox="1"/>
+            <p:nvPr/>
+          </p:nvSpPr>
+          <p:spPr>
+            <a:xfrm>
+              <a:off x="6324743" y="1175353"/>
+              <a:ext cx="1589899" cy="1674705"/>
+            </a:xfrm>
+            <a:prstGeom prst="rect">
+              <a:avLst/>
+            </a:prstGeom>
+            <a:noFill/>
+          </p:spPr>
+          <p:txBody>
+            <a:bodyPr wrap="square" rtlCol="0">
+              <a:spAutoFit/>
+            </a:bodyPr>
+            <a:lstStyle/>
+            <a:p>
+              <a:r>
+                <a:rPr lang="de-DE" sz="1600" dirty="0"/>
+                <a:t>Solution 2</a:t>
+              </a:r>
+            </a:p>
+            <a:p>
+              <a:endParaRPr lang="de-DE" sz="1600" dirty="0"/>
+            </a:p>
+            <a:p>
+              <a:endParaRPr lang="de-DE" sz="1600" dirty="0"/>
+            </a:p>
+            <a:p>
+              <a:endParaRPr lang="de-DE" sz="1600" dirty="0"/>
+            </a:p>
+            <a:p>
+              <a:endParaRPr lang="de-DE" sz="1600" dirty="0"/>
+            </a:p>
+            <a:p>
+              <a:pPr marL="342900" indent="-342900">
+                <a:buFont typeface="+mj-lt"/>
+                <a:buAutoNum type="arabicPeriod"/>
+              </a:pPr>
+              <a:r>
+                <a:rPr lang="de-DE" sz="1600" dirty="0"/>
+                <a:t>True</a:t>
+              </a:r>
+            </a:p>
+            <a:p>
+              <a:pPr marL="342900" indent="-342900">
+                <a:buFont typeface="+mj-lt"/>
+                <a:buAutoNum type="arabicPeriod"/>
+              </a:pPr>
+              <a:endParaRPr lang="de-DE" sz="1600" dirty="0"/>
+            </a:p>
+            <a:p>
+              <a:pPr marL="342900" indent="-342900">
+                <a:buFont typeface="+mj-lt"/>
+                <a:buAutoNum type="arabicPeriod"/>
+              </a:pPr>
+              <a:endParaRPr lang="de-DE" sz="1600" dirty="0"/>
+            </a:p>
+            <a:p>
+              <a:pPr marL="342900" indent="-342900">
+                <a:buFont typeface="+mj-lt"/>
+                <a:buAutoNum type="arabicPeriod"/>
+              </a:pPr>
+              <a:r>
+                <a:rPr lang="de-DE" sz="1600" dirty="0"/>
+                <a:t>True</a:t>
+              </a:r>
+            </a:p>
+            <a:p>
+              <a:pPr marL="342900" indent="-342900">
+                <a:buFont typeface="+mj-lt"/>
+                <a:buAutoNum type="arabicPeriod"/>
+              </a:pPr>
+              <a:endParaRPr lang="de-DE" sz="1600" dirty="0"/>
+            </a:p>
+            <a:p>
+              <a:pPr marL="342900" indent="-342900">
+                <a:buFont typeface="+mj-lt"/>
+                <a:buAutoNum type="arabicPeriod"/>
+              </a:pPr>
+              <a:endParaRPr lang="de-DE" sz="1600" dirty="0"/>
+            </a:p>
+            <a:p>
+              <a:pPr marL="342900" indent="-342900">
+                <a:buFont typeface="+mj-lt"/>
+                <a:buAutoNum type="arabicPeriod"/>
+              </a:pPr>
+              <a:endParaRPr lang="de-DE" sz="1600" dirty="0"/>
+            </a:p>
+            <a:p>
+              <a:pPr marL="342900" indent="-342900">
+                <a:buFont typeface="+mj-lt"/>
+                <a:buAutoNum type="arabicPeriod"/>
+              </a:pPr>
+              <a:r>
+                <a:rPr lang="de-DE" sz="1600" dirty="0"/>
+                <a:t>True</a:t>
+              </a:r>
+            </a:p>
+            <a:p>
+              <a:pPr marL="342900" indent="-342900">
+                <a:buFont typeface="+mj-lt"/>
+                <a:buAutoNum type="arabicPeriod"/>
+              </a:pPr>
+              <a:endParaRPr lang="de-DE" sz="1600" dirty="0"/>
+            </a:p>
+            <a:p>
+              <a:pPr marL="342900" indent="-342900">
+                <a:buFont typeface="+mj-lt"/>
+                <a:buAutoNum type="arabicPeriod"/>
+              </a:pPr>
+              <a:endParaRPr lang="de-DE" sz="1600" dirty="0"/>
+            </a:p>
+            <a:p>
+              <a:pPr marL="342900" indent="-342900">
+                <a:buFont typeface="+mj-lt"/>
+                <a:buAutoNum type="arabicPeriod"/>
+              </a:pPr>
+              <a:r>
+                <a:rPr lang="de-DE" sz="1600" dirty="0" err="1"/>
+                <a:t>False</a:t>
+              </a:r>
+              <a:endParaRPr lang="en-US" sz="1600" dirty="0"/>
+            </a:p>
+          </p:txBody>
+        </p:sp>
+      </p:grpSp>
     </p:spTree>
     <p:extLst>
       <p:ext uri="{BB962C8B-B14F-4D97-AF65-F5344CB8AC3E}">
@@ -13635,6 +15191,81 @@
   <p:clrMapOvr>
     <a:masterClrMapping/>
   </p:clrMapOvr>
+  <p:timing>
+    <p:tnLst>
+      <p:par>
+        <p:cTn id="1" dur="indefinite" restart="never" nodeType="tmRoot">
+          <p:childTnLst>
+            <p:seq concurrent="1" nextAc="seek">
+              <p:cTn id="2" dur="indefinite" nodeType="mainSeq">
+                <p:childTnLst>
+                  <p:par>
+                    <p:cTn id="3" fill="hold">
+                      <p:stCondLst>
+                        <p:cond delay="indefinite"/>
+                      </p:stCondLst>
+                      <p:childTnLst>
+                        <p:par>
+                          <p:cTn id="4" fill="hold">
+                            <p:stCondLst>
+                              <p:cond delay="0"/>
+                            </p:stCondLst>
+                            <p:childTnLst>
+                              <p:par>
+                                <p:cTn id="5" presetID="1" presetClass="entr" presetSubtype="0" fill="hold" nodeType="clickEffect">
+                                  <p:stCondLst>
+                                    <p:cond delay="0"/>
+                                  </p:stCondLst>
+                                  <p:childTnLst>
+                                    <p:set>
+                                      <p:cBhvr>
+                                        <p:cTn id="6" dur="1" fill="hold">
+                                          <p:stCondLst>
+                                            <p:cond delay="0"/>
+                                          </p:stCondLst>
+                                        </p:cTn>
+                                        <p:tgtEl>
+                                          <p:spTgt spid="3"/>
+                                        </p:tgtEl>
+                                        <p:attrNameLst>
+                                          <p:attrName>style.visibility</p:attrName>
+                                        </p:attrNameLst>
+                                      </p:cBhvr>
+                                      <p:to>
+                                        <p:strVal val="visible"/>
+                                      </p:to>
+                                    </p:set>
+                                  </p:childTnLst>
+                                </p:cTn>
+                              </p:par>
+                            </p:childTnLst>
+                          </p:cTn>
+                        </p:par>
+                      </p:childTnLst>
+                    </p:cTn>
+                  </p:par>
+                </p:childTnLst>
+              </p:cTn>
+              <p:prevCondLst>
+                <p:cond evt="onPrev" delay="0">
+                  <p:tgtEl>
+                    <p:sldTgt/>
+                  </p:tgtEl>
+                </p:cond>
+              </p:prevCondLst>
+              <p:nextCondLst>
+                <p:cond evt="onNext" delay="0">
+                  <p:tgtEl>
+                    <p:sldTgt/>
+                  </p:tgtEl>
+                </p:cond>
+              </p:nextCondLst>
+            </p:seq>
+          </p:childTnLst>
+        </p:cTn>
+      </p:par>
+    </p:tnLst>
+  </p:timing>
 </p:sld>
 </file>
 
@@ -20323,6 +21954,10 @@
             <a:r>
               <a:rPr lang="de-DE" dirty="0" err="1"/>
               <a:t>reached</a:t>
+            </a:r>
+            <a:r>
+              <a:rPr lang="de-DE" dirty="0"/>
+              <a:t/>
             </a:r>
             <a:br>
               <a:rPr lang="de-DE" dirty="0"/>
@@ -26839,6 +28474,1481 @@
           </a:p>
         </p:txBody>
       </p:sp>
+      <p:grpSp>
+        <p:nvGrpSpPr>
+          <p:cNvPr id="11" name="Group 10">
+            <a:extLst>
+              <a:ext uri="{FF2B5EF4-FFF2-40B4-BE49-F238E27FC236}">
+                <a16:creationId xmlns:a16="http://schemas.microsoft.com/office/drawing/2014/main" id="{7315B3D2-CF14-4CF0-B499-ADCBB7EA23C7}"/>
+              </a:ext>
+            </a:extLst>
+          </p:cNvPr>
+          <p:cNvGrpSpPr/>
+          <p:nvPr/>
+        </p:nvGrpSpPr>
+        <p:grpSpPr>
+          <a:xfrm>
+            <a:off x="6324742" y="1094071"/>
+            <a:ext cx="6172058" cy="5479983"/>
+            <a:chOff x="6324742" y="1094072"/>
+            <a:chExt cx="6172058" cy="5282940"/>
+          </a:xfrm>
+        </p:grpSpPr>
+        <p:grpSp>
+          <p:nvGrpSpPr>
+            <p:cNvPr id="8" name="Group 7">
+              <a:extLst>
+                <a:ext uri="{FF2B5EF4-FFF2-40B4-BE49-F238E27FC236}">
+                  <a16:creationId xmlns:a16="http://schemas.microsoft.com/office/drawing/2014/main" id="{BEA8C3BC-CEF6-433C-80F9-794107434A51}"/>
+                </a:ext>
+              </a:extLst>
+            </p:cNvPr>
+            <p:cNvGrpSpPr/>
+            <p:nvPr/>
+          </p:nvGrpSpPr>
+          <p:grpSpPr>
+            <a:xfrm>
+              <a:off x="6324742" y="1094072"/>
+              <a:ext cx="4978257" cy="5217828"/>
+              <a:chOff x="6324742" y="1094072"/>
+              <a:chExt cx="4978257" cy="4633627"/>
+            </a:xfrm>
+          </p:grpSpPr>
+          <p:sp>
+            <p:nvSpPr>
+              <p:cNvPr id="26" name="TextBox 25">
+                <a:extLst>
+                  <a:ext uri="{FF2B5EF4-FFF2-40B4-BE49-F238E27FC236}">
+                    <a16:creationId xmlns:a16="http://schemas.microsoft.com/office/drawing/2014/main" id="{E8D8F082-D3AC-4599-A210-03E50AEC0EBF}"/>
+                  </a:ext>
+                </a:extLst>
+              </p:cNvPr>
+              <p:cNvSpPr txBox="1"/>
+              <p:nvPr/>
+            </p:nvSpPr>
+            <p:spPr>
+              <a:xfrm>
+                <a:off x="6324743" y="1094072"/>
+                <a:ext cx="1589899" cy="4031872"/>
+              </a:xfrm>
+              <a:prstGeom prst="rect">
+                <a:avLst/>
+              </a:prstGeom>
+              <a:noFill/>
+            </p:spPr>
+            <p:txBody>
+              <a:bodyPr wrap="square" rtlCol="0">
+                <a:spAutoFit/>
+              </a:bodyPr>
+              <a:lstStyle/>
+              <a:p>
+                <a:r>
+                  <a:rPr lang="de-DE" sz="1600" dirty="0"/>
+                  <a:t>Solution 2</a:t>
+                </a:r>
+              </a:p>
+              <a:p>
+                <a:endParaRPr lang="de-DE" sz="1600" dirty="0"/>
+              </a:p>
+              <a:p>
+                <a:endParaRPr lang="de-DE" sz="1600" dirty="0"/>
+              </a:p>
+              <a:p>
+                <a:endParaRPr lang="de-DE" sz="1600" dirty="0"/>
+              </a:p>
+              <a:p>
+                <a:endParaRPr lang="de-DE" sz="1600" dirty="0"/>
+              </a:p>
+              <a:p>
+                <a:pPr marL="342900" indent="-342900">
+                  <a:buFont typeface="+mj-lt"/>
+                  <a:buAutoNum type="arabicPeriod"/>
+                </a:pPr>
+                <a:r>
+                  <a:rPr lang="de-DE" sz="1600" dirty="0"/>
+                  <a:t>True</a:t>
+                </a:r>
+              </a:p>
+              <a:p>
+                <a:pPr marL="342900" indent="-342900">
+                  <a:buFont typeface="+mj-lt"/>
+                  <a:buAutoNum type="arabicPeriod"/>
+                </a:pPr>
+                <a:endParaRPr lang="de-DE" sz="1600" dirty="0"/>
+              </a:p>
+              <a:p>
+                <a:pPr marL="342900" indent="-342900">
+                  <a:buFont typeface="+mj-lt"/>
+                  <a:buAutoNum type="arabicPeriod"/>
+                </a:pPr>
+                <a:endParaRPr lang="de-DE" sz="1600" dirty="0"/>
+              </a:p>
+              <a:p>
+                <a:pPr marL="342900" indent="-342900">
+                  <a:buFont typeface="+mj-lt"/>
+                  <a:buAutoNum type="arabicPeriod"/>
+                </a:pPr>
+                <a:r>
+                  <a:rPr lang="de-DE" sz="1600" dirty="0"/>
+                  <a:t>True</a:t>
+                </a:r>
+              </a:p>
+              <a:p>
+                <a:pPr marL="342900" indent="-342900">
+                  <a:buFont typeface="+mj-lt"/>
+                  <a:buAutoNum type="arabicPeriod"/>
+                </a:pPr>
+                <a:endParaRPr lang="de-DE" sz="1600" dirty="0"/>
+              </a:p>
+              <a:p>
+                <a:pPr marL="342900" indent="-342900">
+                  <a:buFont typeface="+mj-lt"/>
+                  <a:buAutoNum type="arabicPeriod"/>
+                </a:pPr>
+                <a:endParaRPr lang="de-DE" sz="1600" dirty="0"/>
+              </a:p>
+              <a:p>
+                <a:pPr marL="342900" indent="-342900">
+                  <a:buFont typeface="+mj-lt"/>
+                  <a:buAutoNum type="arabicPeriod"/>
+                </a:pPr>
+                <a:endParaRPr lang="de-DE" sz="1600" dirty="0"/>
+              </a:p>
+              <a:p>
+                <a:pPr marL="342900" indent="-342900">
+                  <a:buFont typeface="+mj-lt"/>
+                  <a:buAutoNum type="arabicPeriod"/>
+                </a:pPr>
+                <a:r>
+                  <a:rPr lang="de-DE" sz="1600" dirty="0"/>
+                  <a:t>True</a:t>
+                </a:r>
+              </a:p>
+              <a:p>
+                <a:pPr marL="342900" indent="-342900">
+                  <a:buFont typeface="+mj-lt"/>
+                  <a:buAutoNum type="arabicPeriod"/>
+                </a:pPr>
+                <a:endParaRPr lang="de-DE" sz="1600" dirty="0"/>
+              </a:p>
+              <a:p>
+                <a:pPr marL="342900" indent="-342900">
+                  <a:buFont typeface="+mj-lt"/>
+                  <a:buAutoNum type="arabicPeriod"/>
+                </a:pPr>
+                <a:endParaRPr lang="de-DE" sz="1600" dirty="0"/>
+              </a:p>
+              <a:p>
+                <a:pPr marL="342900" indent="-342900">
+                  <a:buFont typeface="+mj-lt"/>
+                  <a:buAutoNum type="arabicPeriod"/>
+                </a:pPr>
+                <a:r>
+                  <a:rPr lang="de-DE" sz="1600" dirty="0" err="1"/>
+                  <a:t>False</a:t>
+                </a:r>
+                <a:endParaRPr lang="en-US" sz="1600" dirty="0"/>
+              </a:p>
+            </p:txBody>
+          </p:sp>
+          <p:grpSp>
+            <p:nvGrpSpPr>
+              <p:cNvPr id="27" name="Group 26">
+                <a:extLst>
+                  <a:ext uri="{FF2B5EF4-FFF2-40B4-BE49-F238E27FC236}">
+                    <a16:creationId xmlns:a16="http://schemas.microsoft.com/office/drawing/2014/main" id="{2A36B470-F79A-40EF-88DE-20743AB755D2}"/>
+                  </a:ext>
+                </a:extLst>
+              </p:cNvPr>
+              <p:cNvGrpSpPr/>
+              <p:nvPr/>
+            </p:nvGrpSpPr>
+            <p:grpSpPr>
+              <a:xfrm>
+                <a:off x="6324742" y="1094072"/>
+                <a:ext cx="4978257" cy="4633627"/>
+                <a:chOff x="6324743" y="1175353"/>
+                <a:chExt cx="3814938" cy="1924654"/>
+              </a:xfrm>
+            </p:grpSpPr>
+            <p:sp>
+              <p:nvSpPr>
+                <p:cNvPr id="30" name="Rectangle 29">
+                  <a:extLst>
+                    <a:ext uri="{FF2B5EF4-FFF2-40B4-BE49-F238E27FC236}">
+                      <a16:creationId xmlns:a16="http://schemas.microsoft.com/office/drawing/2014/main" id="{B597BC6D-1FB0-46AE-B24C-F014D349BD81}"/>
+                    </a:ext>
+                  </a:extLst>
+                </p:cNvPr>
+                <p:cNvSpPr/>
+                <p:nvPr/>
+              </p:nvSpPr>
+              <p:spPr>
+                <a:xfrm>
+                  <a:off x="6324743" y="1175353"/>
+                  <a:ext cx="3814938" cy="1924654"/>
+                </a:xfrm>
+                <a:prstGeom prst="rect">
+                  <a:avLst/>
+                </a:prstGeom>
+                <a:solidFill>
+                  <a:schemeClr val="bg1">
+                    <a:lumMod val="85000"/>
+                  </a:schemeClr>
+                </a:solidFill>
+                <a:ln>
+                  <a:solidFill>
+                    <a:schemeClr val="tx1"/>
+                  </a:solidFill>
+                </a:ln>
+              </p:spPr>
+              <p:style>
+                <a:lnRef idx="2">
+                  <a:schemeClr val="accent1">
+                    <a:shade val="50000"/>
+                  </a:schemeClr>
+                </a:lnRef>
+                <a:fillRef idx="1">
+                  <a:schemeClr val="accent1"/>
+                </a:fillRef>
+                <a:effectRef idx="0">
+                  <a:schemeClr val="accent1"/>
+                </a:effectRef>
+                <a:fontRef idx="minor">
+                  <a:schemeClr val="lt1"/>
+                </a:fontRef>
+              </p:style>
+              <p:txBody>
+                <a:bodyPr rtlCol="0" anchor="ctr"/>
+                <a:lstStyle/>
+                <a:p>
+                  <a:endParaRPr lang="en-US" sz="1600" b="1" dirty="0">
+                    <a:solidFill>
+                      <a:srgbClr val="0000FF"/>
+                    </a:solidFill>
+                    <a:latin typeface="Courier New" panose="02070309020205020404" pitchFamily="49" charset="0"/>
+                  </a:endParaRPr>
+                </a:p>
+              </p:txBody>
+            </p:sp>
+            <p:sp>
+              <p:nvSpPr>
+                <p:cNvPr id="31" name="TextBox 30">
+                  <a:extLst>
+                    <a:ext uri="{FF2B5EF4-FFF2-40B4-BE49-F238E27FC236}">
+                      <a16:creationId xmlns:a16="http://schemas.microsoft.com/office/drawing/2014/main" id="{3BD4DE1C-23F0-40B9-B781-C274173C434C}"/>
+                    </a:ext>
+                  </a:extLst>
+                </p:cNvPr>
+                <p:cNvSpPr txBox="1"/>
+                <p:nvPr/>
+              </p:nvSpPr>
+              <p:spPr>
+                <a:xfrm>
+                  <a:off x="6324743" y="1175353"/>
+                  <a:ext cx="1589899" cy="140624"/>
+                </a:xfrm>
+                <a:prstGeom prst="rect">
+                  <a:avLst/>
+                </a:prstGeom>
+                <a:noFill/>
+              </p:spPr>
+              <p:txBody>
+                <a:bodyPr wrap="square" rtlCol="0">
+                  <a:spAutoFit/>
+                </a:bodyPr>
+                <a:lstStyle/>
+                <a:p>
+                  <a:r>
+                    <a:rPr lang="de-DE" sz="1600" dirty="0"/>
+                    <a:t>Solution 3</a:t>
+                  </a:r>
+                </a:p>
+              </p:txBody>
+            </p:sp>
+          </p:grpSp>
+        </p:grpSp>
+        <p:sp>
+          <p:nvSpPr>
+            <p:cNvPr id="10" name="Rectangle 9">
+              <a:extLst>
+                <a:ext uri="{FF2B5EF4-FFF2-40B4-BE49-F238E27FC236}">
+                  <a16:creationId xmlns:a16="http://schemas.microsoft.com/office/drawing/2014/main" id="{C30D8844-7EAF-49D7-A0E9-693A6C633B77}"/>
+                </a:ext>
+              </a:extLst>
+            </p:cNvPr>
+            <p:cNvSpPr/>
+            <p:nvPr/>
+          </p:nvSpPr>
+          <p:spPr>
+            <a:xfrm>
+              <a:off x="6400800" y="1544920"/>
+              <a:ext cx="6096000" cy="4832092"/>
+            </a:xfrm>
+            <a:prstGeom prst="rect">
+              <a:avLst/>
+            </a:prstGeom>
+          </p:spPr>
+          <p:txBody>
+            <a:bodyPr>
+              <a:spAutoFit/>
+            </a:bodyPr>
+            <a:lstStyle/>
+            <a:p>
+              <a:r>
+                <a:rPr lang="en-US" sz="1400" dirty="0" err="1">
+                  <a:solidFill>
+                    <a:srgbClr val="000000"/>
+                  </a:solidFill>
+                  <a:latin typeface="Courier New" panose="02070309020205020404" pitchFamily="49" charset="0"/>
+                </a:rPr>
+                <a:t>LNumbers</a:t>
+              </a:r>
+              <a:r>
+                <a:rPr lang="en-US" sz="1400" dirty="0">
+                  <a:solidFill>
+                    <a:srgbClr val="000000"/>
+                  </a:solidFill>
+                  <a:latin typeface="Courier New" panose="02070309020205020404" pitchFamily="49" charset="0"/>
+                </a:rPr>
+                <a:t> </a:t>
+              </a:r>
+              <a:r>
+                <a:rPr lang="en-US" sz="1400" b="1" dirty="0">
+                  <a:solidFill>
+                    <a:srgbClr val="000080"/>
+                  </a:solidFill>
+                  <a:latin typeface="Courier New" panose="02070309020205020404" pitchFamily="49" charset="0"/>
+                </a:rPr>
+                <a:t>=</a:t>
+              </a:r>
+              <a:r>
+                <a:rPr lang="en-US" sz="1400" dirty="0">
+                  <a:solidFill>
+                    <a:srgbClr val="000000"/>
+                  </a:solidFill>
+                  <a:latin typeface="Courier New" panose="02070309020205020404" pitchFamily="49" charset="0"/>
+                </a:rPr>
+                <a:t> </a:t>
+              </a:r>
+              <a:r>
+                <a:rPr lang="en-US" sz="1400" b="1" dirty="0">
+                  <a:solidFill>
+                    <a:srgbClr val="000080"/>
+                  </a:solidFill>
+                  <a:latin typeface="Courier New" panose="02070309020205020404" pitchFamily="49" charset="0"/>
+                </a:rPr>
+                <a:t>[</a:t>
+              </a:r>
+              <a:r>
+                <a:rPr lang="en-US" sz="1400" dirty="0">
+                  <a:solidFill>
+                    <a:srgbClr val="FF0000"/>
+                  </a:solidFill>
+                  <a:latin typeface="Courier New" panose="02070309020205020404" pitchFamily="49" charset="0"/>
+                </a:rPr>
+                <a:t>5</a:t>
+              </a:r>
+              <a:r>
+                <a:rPr lang="en-US" sz="1400" b="1" dirty="0">
+                  <a:solidFill>
+                    <a:srgbClr val="000080"/>
+                  </a:solidFill>
+                  <a:latin typeface="Courier New" panose="02070309020205020404" pitchFamily="49" charset="0"/>
+                </a:rPr>
+                <a:t>,</a:t>
+              </a:r>
+              <a:r>
+                <a:rPr lang="en-US" sz="1400" dirty="0">
+                  <a:solidFill>
+                    <a:srgbClr val="FF0000"/>
+                  </a:solidFill>
+                  <a:latin typeface="Courier New" panose="02070309020205020404" pitchFamily="49" charset="0"/>
+                </a:rPr>
+                <a:t>23</a:t>
+              </a:r>
+              <a:r>
+                <a:rPr lang="en-US" sz="1400" b="1" dirty="0">
+                  <a:solidFill>
+                    <a:srgbClr val="000080"/>
+                  </a:solidFill>
+                  <a:latin typeface="Courier New" panose="02070309020205020404" pitchFamily="49" charset="0"/>
+                </a:rPr>
+                <a:t>,</a:t>
+              </a:r>
+              <a:r>
+                <a:rPr lang="en-US" sz="1400" dirty="0">
+                  <a:solidFill>
+                    <a:srgbClr val="FF0000"/>
+                  </a:solidFill>
+                  <a:latin typeface="Courier New" panose="02070309020205020404" pitchFamily="49" charset="0"/>
+                </a:rPr>
+                <a:t>37</a:t>
+              </a:r>
+              <a:r>
+                <a:rPr lang="en-US" sz="1400" b="1" dirty="0">
+                  <a:solidFill>
+                    <a:srgbClr val="000080"/>
+                  </a:solidFill>
+                  <a:latin typeface="Courier New" panose="02070309020205020404" pitchFamily="49" charset="0"/>
+                </a:rPr>
+                <a:t>,</a:t>
+              </a:r>
+              <a:r>
+                <a:rPr lang="en-US" sz="1400" dirty="0">
+                  <a:solidFill>
+                    <a:srgbClr val="FF0000"/>
+                  </a:solidFill>
+                  <a:latin typeface="Courier New" panose="02070309020205020404" pitchFamily="49" charset="0"/>
+                </a:rPr>
+                <a:t>49</a:t>
+              </a:r>
+              <a:r>
+                <a:rPr lang="en-US" sz="1400" b="1" dirty="0">
+                  <a:solidFill>
+                    <a:srgbClr val="000080"/>
+                  </a:solidFill>
+                  <a:latin typeface="Courier New" panose="02070309020205020404" pitchFamily="49" charset="0"/>
+                </a:rPr>
+                <a:t>,</a:t>
+              </a:r>
+              <a:r>
+                <a:rPr lang="en-US" sz="1400" dirty="0">
+                  <a:solidFill>
+                    <a:srgbClr val="FF0000"/>
+                  </a:solidFill>
+                  <a:latin typeface="Courier New" panose="02070309020205020404" pitchFamily="49" charset="0"/>
+                </a:rPr>
+                <a:t>50</a:t>
+              </a:r>
+              <a:r>
+                <a:rPr lang="en-US" sz="1400" b="1" dirty="0">
+                  <a:solidFill>
+                    <a:srgbClr val="000080"/>
+                  </a:solidFill>
+                  <a:latin typeface="Courier New" panose="02070309020205020404" pitchFamily="49" charset="0"/>
+                </a:rPr>
+                <a:t>,</a:t>
+              </a:r>
+              <a:r>
+                <a:rPr lang="en-US" sz="1400" dirty="0">
+                  <a:solidFill>
+                    <a:srgbClr val="FF0000"/>
+                  </a:solidFill>
+                  <a:latin typeface="Courier New" panose="02070309020205020404" pitchFamily="49" charset="0"/>
+                </a:rPr>
+                <a:t>46</a:t>
+              </a:r>
+              <a:r>
+                <a:rPr lang="en-US" sz="1400" b="1" dirty="0">
+                  <a:solidFill>
+                    <a:srgbClr val="000080"/>
+                  </a:solidFill>
+                  <a:latin typeface="Courier New" panose="02070309020205020404" pitchFamily="49" charset="0"/>
+                </a:rPr>
+                <a:t>,</a:t>
+              </a:r>
+              <a:r>
+                <a:rPr lang="en-US" sz="1400" dirty="0">
+                  <a:solidFill>
+                    <a:srgbClr val="FF0000"/>
+                  </a:solidFill>
+                  <a:latin typeface="Courier New" panose="02070309020205020404" pitchFamily="49" charset="0"/>
+                </a:rPr>
+                <a:t>30</a:t>
+              </a:r>
+              <a:r>
+                <a:rPr lang="en-US" sz="1400" b="1" dirty="0">
+                  <a:solidFill>
+                    <a:srgbClr val="000080"/>
+                  </a:solidFill>
+                  <a:latin typeface="Courier New" panose="02070309020205020404" pitchFamily="49" charset="0"/>
+                </a:rPr>
+                <a:t>,</a:t>
+              </a:r>
+              <a:r>
+                <a:rPr lang="en-US" sz="1400" dirty="0">
+                  <a:solidFill>
+                    <a:srgbClr val="FF0000"/>
+                  </a:solidFill>
+                  <a:latin typeface="Courier New" panose="02070309020205020404" pitchFamily="49" charset="0"/>
+                </a:rPr>
+                <a:t>46</a:t>
+              </a:r>
+              <a:r>
+                <a:rPr lang="en-US" sz="1400" b="1" dirty="0">
+                  <a:solidFill>
+                    <a:srgbClr val="000080"/>
+                  </a:solidFill>
+                  <a:latin typeface="Courier New" panose="02070309020205020404" pitchFamily="49" charset="0"/>
+                </a:rPr>
+                <a:t>,</a:t>
+              </a:r>
+              <a:r>
+                <a:rPr lang="en-US" sz="1400" dirty="0">
+                  <a:solidFill>
+                    <a:srgbClr val="FF0000"/>
+                  </a:solidFill>
+                  <a:latin typeface="Courier New" panose="02070309020205020404" pitchFamily="49" charset="0"/>
+                </a:rPr>
+                <a:t>70</a:t>
+              </a:r>
+              <a:r>
+                <a:rPr lang="en-US" sz="1400" b="1" dirty="0">
+                  <a:solidFill>
+                    <a:srgbClr val="000080"/>
+                  </a:solidFill>
+                  <a:latin typeface="Courier New" panose="02070309020205020404" pitchFamily="49" charset="0"/>
+                </a:rPr>
+                <a:t>]</a:t>
+              </a:r>
+            </a:p>
+            <a:p>
+              <a:endParaRPr lang="en-US" sz="1400" b="1" dirty="0">
+                <a:solidFill>
+                  <a:srgbClr val="000080"/>
+                </a:solidFill>
+                <a:latin typeface="Courier New" panose="02070309020205020404" pitchFamily="49" charset="0"/>
+              </a:endParaRPr>
+            </a:p>
+            <a:p>
+              <a:r>
+                <a:rPr lang="en-US" sz="1400" dirty="0">
+                  <a:solidFill>
+                    <a:srgbClr val="008000"/>
+                  </a:solidFill>
+                  <a:latin typeface="Courier New" panose="02070309020205020404" pitchFamily="49" charset="0"/>
+                </a:rPr>
+                <a:t># 1. while loop</a:t>
+              </a:r>
+            </a:p>
+            <a:p>
+              <a:r>
+                <a:rPr lang="en-US" sz="1400" dirty="0" err="1">
+                  <a:solidFill>
+                    <a:srgbClr val="000000"/>
+                  </a:solidFill>
+                  <a:latin typeface="Courier New" panose="02070309020205020404" pitchFamily="49" charset="0"/>
+                </a:rPr>
+                <a:t>iCount</a:t>
+              </a:r>
+              <a:r>
+                <a:rPr lang="en-US" sz="1400" dirty="0">
+                  <a:solidFill>
+                    <a:srgbClr val="000000"/>
+                  </a:solidFill>
+                  <a:latin typeface="Courier New" panose="02070309020205020404" pitchFamily="49" charset="0"/>
+                </a:rPr>
+                <a:t> </a:t>
+              </a:r>
+              <a:r>
+                <a:rPr lang="en-US" sz="1400" b="1" dirty="0">
+                  <a:solidFill>
+                    <a:srgbClr val="000080"/>
+                  </a:solidFill>
+                  <a:latin typeface="Courier New" panose="02070309020205020404" pitchFamily="49" charset="0"/>
+                </a:rPr>
+                <a:t>=</a:t>
+              </a:r>
+              <a:r>
+                <a:rPr lang="en-US" sz="1400" dirty="0">
+                  <a:solidFill>
+                    <a:srgbClr val="000000"/>
+                  </a:solidFill>
+                  <a:latin typeface="Courier New" panose="02070309020205020404" pitchFamily="49" charset="0"/>
+                </a:rPr>
+                <a:t> </a:t>
+              </a:r>
+              <a:r>
+                <a:rPr lang="en-US" sz="1400" dirty="0">
+                  <a:solidFill>
+                    <a:srgbClr val="FF0000"/>
+                  </a:solidFill>
+                  <a:latin typeface="Courier New" panose="02070309020205020404" pitchFamily="49" charset="0"/>
+                </a:rPr>
+                <a:t>0</a:t>
+              </a:r>
+            </a:p>
+            <a:p>
+              <a:r>
+                <a:rPr lang="en-US" sz="1400" dirty="0" err="1">
+                  <a:solidFill>
+                    <a:srgbClr val="000000"/>
+                  </a:solidFill>
+                  <a:latin typeface="Courier New" panose="02070309020205020404" pitchFamily="49" charset="0"/>
+                </a:rPr>
+                <a:t>iSizeofList</a:t>
+              </a:r>
+              <a:r>
+                <a:rPr lang="en-US" sz="1400" dirty="0">
+                  <a:solidFill>
+                    <a:srgbClr val="000000"/>
+                  </a:solidFill>
+                  <a:latin typeface="Courier New" panose="02070309020205020404" pitchFamily="49" charset="0"/>
+                </a:rPr>
+                <a:t> </a:t>
+              </a:r>
+              <a:r>
+                <a:rPr lang="en-US" sz="1400" b="1" dirty="0">
+                  <a:solidFill>
+                    <a:srgbClr val="000080"/>
+                  </a:solidFill>
+                  <a:latin typeface="Courier New" panose="02070309020205020404" pitchFamily="49" charset="0"/>
+                </a:rPr>
+                <a:t>=</a:t>
+              </a:r>
+              <a:r>
+                <a:rPr lang="en-US" sz="1400" dirty="0">
+                  <a:solidFill>
+                    <a:srgbClr val="000000"/>
+                  </a:solidFill>
+                  <a:latin typeface="Courier New" panose="02070309020205020404" pitchFamily="49" charset="0"/>
+                </a:rPr>
+                <a:t> </a:t>
+              </a:r>
+              <a:r>
+                <a:rPr lang="en-US" sz="1400" dirty="0" err="1">
+                  <a:solidFill>
+                    <a:srgbClr val="000000"/>
+                  </a:solidFill>
+                  <a:latin typeface="Courier New" panose="02070309020205020404" pitchFamily="49" charset="0"/>
+                </a:rPr>
+                <a:t>len</a:t>
+              </a:r>
+              <a:r>
+                <a:rPr lang="en-US" sz="1400" b="1" dirty="0">
+                  <a:solidFill>
+                    <a:srgbClr val="000080"/>
+                  </a:solidFill>
+                  <a:latin typeface="Courier New" panose="02070309020205020404" pitchFamily="49" charset="0"/>
+                </a:rPr>
+                <a:t>(</a:t>
+              </a:r>
+              <a:r>
+                <a:rPr lang="en-US" sz="1400" dirty="0" err="1">
+                  <a:solidFill>
+                    <a:srgbClr val="000000"/>
+                  </a:solidFill>
+                  <a:latin typeface="Courier New" panose="02070309020205020404" pitchFamily="49" charset="0"/>
+                </a:rPr>
+                <a:t>LNumbers</a:t>
+              </a:r>
+              <a:r>
+                <a:rPr lang="en-US" sz="1400" b="1" dirty="0">
+                  <a:solidFill>
+                    <a:srgbClr val="000080"/>
+                  </a:solidFill>
+                  <a:latin typeface="Courier New" panose="02070309020205020404" pitchFamily="49" charset="0"/>
+                </a:rPr>
+                <a:t>)</a:t>
+              </a:r>
+            </a:p>
+            <a:p>
+              <a:r>
+                <a:rPr lang="en-US" sz="1400" dirty="0" err="1">
+                  <a:solidFill>
+                    <a:srgbClr val="000000"/>
+                  </a:solidFill>
+                  <a:latin typeface="Courier New" panose="02070309020205020404" pitchFamily="49" charset="0"/>
+                </a:rPr>
+                <a:t>i</a:t>
+              </a:r>
+              <a:r>
+                <a:rPr lang="en-US" sz="1400" dirty="0">
+                  <a:solidFill>
+                    <a:srgbClr val="000000"/>
+                  </a:solidFill>
+                  <a:latin typeface="Courier New" panose="02070309020205020404" pitchFamily="49" charset="0"/>
+                </a:rPr>
+                <a:t> </a:t>
+              </a:r>
+              <a:r>
+                <a:rPr lang="en-US" sz="1400" b="1" dirty="0">
+                  <a:solidFill>
+                    <a:srgbClr val="000080"/>
+                  </a:solidFill>
+                  <a:latin typeface="Courier New" panose="02070309020205020404" pitchFamily="49" charset="0"/>
+                </a:rPr>
+                <a:t>=</a:t>
+              </a:r>
+              <a:r>
+                <a:rPr lang="en-US" sz="1400" dirty="0">
+                  <a:solidFill>
+                    <a:srgbClr val="000000"/>
+                  </a:solidFill>
+                  <a:latin typeface="Courier New" panose="02070309020205020404" pitchFamily="49" charset="0"/>
+                </a:rPr>
+                <a:t> </a:t>
+              </a:r>
+              <a:r>
+                <a:rPr lang="en-US" sz="1400" dirty="0">
+                  <a:solidFill>
+                    <a:srgbClr val="FF0000"/>
+                  </a:solidFill>
+                  <a:latin typeface="Courier New" panose="02070309020205020404" pitchFamily="49" charset="0"/>
+                </a:rPr>
+                <a:t>0</a:t>
+              </a:r>
+            </a:p>
+            <a:p>
+              <a:endParaRPr lang="en-US" sz="1400" b="1" dirty="0">
+                <a:solidFill>
+                  <a:srgbClr val="FF0000"/>
+                </a:solidFill>
+                <a:latin typeface="Courier New" panose="02070309020205020404" pitchFamily="49" charset="0"/>
+              </a:endParaRPr>
+            </a:p>
+            <a:p>
+              <a:r>
+                <a:rPr lang="en-US" sz="1400" b="1" dirty="0">
+                  <a:solidFill>
+                    <a:srgbClr val="0000FF"/>
+                  </a:solidFill>
+                  <a:latin typeface="Courier New" panose="02070309020205020404" pitchFamily="49" charset="0"/>
+                </a:rPr>
+                <a:t>while</a:t>
+              </a:r>
+              <a:r>
+                <a:rPr lang="en-US" sz="1400" dirty="0">
+                  <a:solidFill>
+                    <a:srgbClr val="000000"/>
+                  </a:solidFill>
+                  <a:latin typeface="Courier New" panose="02070309020205020404" pitchFamily="49" charset="0"/>
+                </a:rPr>
+                <a:t> </a:t>
+              </a:r>
+              <a:r>
+                <a:rPr lang="en-US" sz="1400" dirty="0" err="1">
+                  <a:solidFill>
+                    <a:srgbClr val="000000"/>
+                  </a:solidFill>
+                  <a:latin typeface="Courier New" panose="02070309020205020404" pitchFamily="49" charset="0"/>
+                </a:rPr>
+                <a:t>i</a:t>
+              </a:r>
+              <a:r>
+                <a:rPr lang="en-US" sz="1400" dirty="0">
+                  <a:solidFill>
+                    <a:srgbClr val="000000"/>
+                  </a:solidFill>
+                  <a:latin typeface="Courier New" panose="02070309020205020404" pitchFamily="49" charset="0"/>
+                </a:rPr>
+                <a:t> </a:t>
+              </a:r>
+              <a:r>
+                <a:rPr lang="en-US" sz="1400" b="1" dirty="0">
+                  <a:solidFill>
+                    <a:srgbClr val="000080"/>
+                  </a:solidFill>
+                  <a:latin typeface="Courier New" panose="02070309020205020404" pitchFamily="49" charset="0"/>
+                </a:rPr>
+                <a:t>&lt;</a:t>
+              </a:r>
+              <a:r>
+                <a:rPr lang="en-US" sz="1400" dirty="0">
+                  <a:solidFill>
+                    <a:srgbClr val="000000"/>
+                  </a:solidFill>
+                  <a:latin typeface="Courier New" panose="02070309020205020404" pitchFamily="49" charset="0"/>
+                </a:rPr>
+                <a:t> </a:t>
+              </a:r>
+              <a:r>
+                <a:rPr lang="en-US" sz="1400" dirty="0" err="1">
+                  <a:solidFill>
+                    <a:srgbClr val="000000"/>
+                  </a:solidFill>
+                  <a:latin typeface="Courier New" panose="02070309020205020404" pitchFamily="49" charset="0"/>
+                </a:rPr>
+                <a:t>iSizeofList</a:t>
+              </a:r>
+              <a:r>
+                <a:rPr lang="en-US" sz="1400" b="1" dirty="0">
+                  <a:solidFill>
+                    <a:srgbClr val="000080"/>
+                  </a:solidFill>
+                  <a:latin typeface="Courier New" panose="02070309020205020404" pitchFamily="49" charset="0"/>
+                </a:rPr>
+                <a:t>:</a:t>
+              </a:r>
+            </a:p>
+            <a:p>
+              <a:r>
+                <a:rPr lang="en-US" sz="1400" b="1" dirty="0">
+                  <a:solidFill>
+                    <a:srgbClr val="000080"/>
+                  </a:solidFill>
+                  <a:latin typeface="Courier New" panose="02070309020205020404" pitchFamily="49" charset="0"/>
+                </a:rPr>
+                <a:t>    </a:t>
+              </a:r>
+              <a:r>
+                <a:rPr lang="en-US" sz="1400" b="1" dirty="0">
+                  <a:solidFill>
+                    <a:srgbClr val="0000FF"/>
+                  </a:solidFill>
+                  <a:latin typeface="Courier New" panose="02070309020205020404" pitchFamily="49" charset="0"/>
+                </a:rPr>
+                <a:t>if</a:t>
+              </a:r>
+              <a:r>
+                <a:rPr lang="en-US" sz="1400" dirty="0">
+                  <a:solidFill>
+                    <a:srgbClr val="000000"/>
+                  </a:solidFill>
+                  <a:latin typeface="Courier New" panose="02070309020205020404" pitchFamily="49" charset="0"/>
+                </a:rPr>
+                <a:t> </a:t>
+              </a:r>
+              <a:r>
+                <a:rPr lang="en-US" sz="1400" dirty="0" err="1">
+                  <a:solidFill>
+                    <a:srgbClr val="000000"/>
+                  </a:solidFill>
+                  <a:latin typeface="Courier New" panose="02070309020205020404" pitchFamily="49" charset="0"/>
+                </a:rPr>
+                <a:t>LNumbers</a:t>
+              </a:r>
+              <a:r>
+                <a:rPr lang="en-US" sz="1400" b="1" dirty="0">
+                  <a:solidFill>
+                    <a:srgbClr val="000080"/>
+                  </a:solidFill>
+                  <a:latin typeface="Courier New" panose="02070309020205020404" pitchFamily="49" charset="0"/>
+                </a:rPr>
+                <a:t>[</a:t>
+              </a:r>
+              <a:r>
+                <a:rPr lang="en-US" sz="1400" dirty="0" err="1">
+                  <a:solidFill>
+                    <a:srgbClr val="000000"/>
+                  </a:solidFill>
+                  <a:latin typeface="Courier New" panose="02070309020205020404" pitchFamily="49" charset="0"/>
+                </a:rPr>
+                <a:t>i</a:t>
+              </a:r>
+              <a:r>
+                <a:rPr lang="en-US" sz="1400" b="1" dirty="0">
+                  <a:solidFill>
+                    <a:srgbClr val="000080"/>
+                  </a:solidFill>
+                  <a:latin typeface="Courier New" panose="02070309020205020404" pitchFamily="49" charset="0"/>
+                </a:rPr>
+                <a:t>]</a:t>
+              </a:r>
+              <a:r>
+                <a:rPr lang="en-US" sz="1400" dirty="0">
+                  <a:solidFill>
+                    <a:srgbClr val="000000"/>
+                  </a:solidFill>
+                  <a:latin typeface="Courier New" panose="02070309020205020404" pitchFamily="49" charset="0"/>
+                </a:rPr>
+                <a:t> </a:t>
+              </a:r>
+              <a:r>
+                <a:rPr lang="en-US" sz="1400" b="1" dirty="0">
+                  <a:solidFill>
+                    <a:srgbClr val="000080"/>
+                  </a:solidFill>
+                  <a:latin typeface="Courier New" panose="02070309020205020404" pitchFamily="49" charset="0"/>
+                </a:rPr>
+                <a:t>&gt;</a:t>
+              </a:r>
+              <a:r>
+                <a:rPr lang="en-US" sz="1400" dirty="0">
+                  <a:solidFill>
+                    <a:srgbClr val="000000"/>
+                  </a:solidFill>
+                  <a:latin typeface="Courier New" panose="02070309020205020404" pitchFamily="49" charset="0"/>
+                </a:rPr>
+                <a:t> </a:t>
+              </a:r>
+              <a:r>
+                <a:rPr lang="en-US" sz="1400" dirty="0">
+                  <a:solidFill>
+                    <a:srgbClr val="FF0000"/>
+                  </a:solidFill>
+                  <a:latin typeface="Courier New" panose="02070309020205020404" pitchFamily="49" charset="0"/>
+                </a:rPr>
+                <a:t>30</a:t>
+              </a:r>
+              <a:r>
+                <a:rPr lang="en-US" sz="1400" b="1" dirty="0">
+                  <a:solidFill>
+                    <a:srgbClr val="000080"/>
+                  </a:solidFill>
+                  <a:latin typeface="Courier New" panose="02070309020205020404" pitchFamily="49" charset="0"/>
+                </a:rPr>
+                <a:t>:</a:t>
+              </a:r>
+            </a:p>
+            <a:p>
+              <a:r>
+                <a:rPr lang="en-US" sz="1400" b="1" dirty="0">
+                  <a:solidFill>
+                    <a:srgbClr val="000080"/>
+                  </a:solidFill>
+                  <a:latin typeface="Courier New" panose="02070309020205020404" pitchFamily="49" charset="0"/>
+                </a:rPr>
+                <a:t>        </a:t>
+              </a:r>
+              <a:r>
+                <a:rPr lang="en-US" sz="1400" dirty="0" err="1">
+                  <a:solidFill>
+                    <a:srgbClr val="000000"/>
+                  </a:solidFill>
+                  <a:latin typeface="Courier New" panose="02070309020205020404" pitchFamily="49" charset="0"/>
+                </a:rPr>
+                <a:t>iCount</a:t>
+              </a:r>
+              <a:r>
+                <a:rPr lang="en-US" sz="1400" dirty="0">
+                  <a:solidFill>
+                    <a:srgbClr val="000000"/>
+                  </a:solidFill>
+                  <a:latin typeface="Courier New" panose="02070309020205020404" pitchFamily="49" charset="0"/>
+                </a:rPr>
+                <a:t> </a:t>
+              </a:r>
+              <a:r>
+                <a:rPr lang="en-US" sz="1400" b="1" dirty="0">
+                  <a:solidFill>
+                    <a:srgbClr val="000080"/>
+                  </a:solidFill>
+                  <a:latin typeface="Courier New" panose="02070309020205020404" pitchFamily="49" charset="0"/>
+                </a:rPr>
+                <a:t>=</a:t>
+              </a:r>
+              <a:r>
+                <a:rPr lang="en-US" sz="1400" dirty="0">
+                  <a:solidFill>
+                    <a:srgbClr val="000000"/>
+                  </a:solidFill>
+                  <a:latin typeface="Courier New" panose="02070309020205020404" pitchFamily="49" charset="0"/>
+                </a:rPr>
+                <a:t> </a:t>
+              </a:r>
+              <a:r>
+                <a:rPr lang="en-US" sz="1400" dirty="0" err="1">
+                  <a:solidFill>
+                    <a:srgbClr val="000000"/>
+                  </a:solidFill>
+                  <a:latin typeface="Courier New" panose="02070309020205020404" pitchFamily="49" charset="0"/>
+                </a:rPr>
+                <a:t>iCount</a:t>
+              </a:r>
+              <a:r>
+                <a:rPr lang="en-US" sz="1400" dirty="0">
+                  <a:solidFill>
+                    <a:srgbClr val="000000"/>
+                  </a:solidFill>
+                  <a:latin typeface="Courier New" panose="02070309020205020404" pitchFamily="49" charset="0"/>
+                </a:rPr>
+                <a:t> </a:t>
+              </a:r>
+              <a:r>
+                <a:rPr lang="en-US" sz="1400" b="1" dirty="0">
+                  <a:solidFill>
+                    <a:srgbClr val="000080"/>
+                  </a:solidFill>
+                  <a:latin typeface="Courier New" panose="02070309020205020404" pitchFamily="49" charset="0"/>
+                </a:rPr>
+                <a:t>+</a:t>
+              </a:r>
+              <a:r>
+                <a:rPr lang="en-US" sz="1400" dirty="0">
+                  <a:solidFill>
+                    <a:srgbClr val="000000"/>
+                  </a:solidFill>
+                  <a:latin typeface="Courier New" panose="02070309020205020404" pitchFamily="49" charset="0"/>
+                </a:rPr>
+                <a:t> </a:t>
+              </a:r>
+              <a:r>
+                <a:rPr lang="en-US" sz="1400" dirty="0">
+                  <a:solidFill>
+                    <a:srgbClr val="FF0000"/>
+                  </a:solidFill>
+                  <a:latin typeface="Courier New" panose="02070309020205020404" pitchFamily="49" charset="0"/>
+                </a:rPr>
+                <a:t>1</a:t>
+              </a:r>
+            </a:p>
+            <a:p>
+              <a:r>
+                <a:rPr lang="en-US" sz="1400" dirty="0">
+                  <a:solidFill>
+                    <a:srgbClr val="FF0000"/>
+                  </a:solidFill>
+                  <a:latin typeface="Courier New" panose="02070309020205020404" pitchFamily="49" charset="0"/>
+                </a:rPr>
+                <a:t>    </a:t>
+              </a:r>
+              <a:r>
+                <a:rPr lang="en-US" sz="1400" dirty="0" err="1">
+                  <a:solidFill>
+                    <a:srgbClr val="000000"/>
+                  </a:solidFill>
+                  <a:latin typeface="Courier New" panose="02070309020205020404" pitchFamily="49" charset="0"/>
+                </a:rPr>
+                <a:t>i</a:t>
+              </a:r>
+              <a:r>
+                <a:rPr lang="en-US" sz="1400" dirty="0">
+                  <a:solidFill>
+                    <a:srgbClr val="000000"/>
+                  </a:solidFill>
+                  <a:latin typeface="Courier New" panose="02070309020205020404" pitchFamily="49" charset="0"/>
+                </a:rPr>
+                <a:t> </a:t>
+              </a:r>
+              <a:r>
+                <a:rPr lang="en-US" sz="1400" b="1" dirty="0">
+                  <a:solidFill>
+                    <a:srgbClr val="000080"/>
+                  </a:solidFill>
+                  <a:latin typeface="Courier New" panose="02070309020205020404" pitchFamily="49" charset="0"/>
+                </a:rPr>
+                <a:t>=</a:t>
+              </a:r>
+              <a:r>
+                <a:rPr lang="en-US" sz="1400" dirty="0">
+                  <a:solidFill>
+                    <a:srgbClr val="000000"/>
+                  </a:solidFill>
+                  <a:latin typeface="Courier New" panose="02070309020205020404" pitchFamily="49" charset="0"/>
+                </a:rPr>
+                <a:t> </a:t>
+              </a:r>
+              <a:r>
+                <a:rPr lang="en-US" sz="1400" dirty="0" err="1">
+                  <a:solidFill>
+                    <a:srgbClr val="000000"/>
+                  </a:solidFill>
+                  <a:latin typeface="Courier New" panose="02070309020205020404" pitchFamily="49" charset="0"/>
+                </a:rPr>
+                <a:t>i</a:t>
+              </a:r>
+              <a:r>
+                <a:rPr lang="en-US" sz="1400" dirty="0">
+                  <a:solidFill>
+                    <a:srgbClr val="000000"/>
+                  </a:solidFill>
+                  <a:latin typeface="Courier New" panose="02070309020205020404" pitchFamily="49" charset="0"/>
+                </a:rPr>
+                <a:t> </a:t>
+              </a:r>
+              <a:r>
+                <a:rPr lang="en-US" sz="1400" b="1" dirty="0">
+                  <a:solidFill>
+                    <a:srgbClr val="000080"/>
+                  </a:solidFill>
+                  <a:latin typeface="Courier New" panose="02070309020205020404" pitchFamily="49" charset="0"/>
+                </a:rPr>
+                <a:t>+</a:t>
+              </a:r>
+              <a:r>
+                <a:rPr lang="en-US" sz="1400" dirty="0">
+                  <a:solidFill>
+                    <a:srgbClr val="000000"/>
+                  </a:solidFill>
+                  <a:latin typeface="Courier New" panose="02070309020205020404" pitchFamily="49" charset="0"/>
+                </a:rPr>
+                <a:t> </a:t>
+              </a:r>
+              <a:r>
+                <a:rPr lang="en-US" sz="1400" dirty="0">
+                  <a:solidFill>
+                    <a:srgbClr val="FF0000"/>
+                  </a:solidFill>
+                  <a:latin typeface="Courier New" panose="02070309020205020404" pitchFamily="49" charset="0"/>
+                </a:rPr>
+                <a:t>1</a:t>
+              </a:r>
+            </a:p>
+            <a:p>
+              <a:endParaRPr lang="en-US" sz="1400" b="1" dirty="0">
+                <a:solidFill>
+                  <a:srgbClr val="FF0000"/>
+                </a:solidFill>
+                <a:latin typeface="Courier New" panose="02070309020205020404" pitchFamily="49" charset="0"/>
+              </a:endParaRPr>
+            </a:p>
+            <a:p>
+              <a:r>
+                <a:rPr lang="en-US" sz="1400" b="1" dirty="0">
+                  <a:solidFill>
+                    <a:srgbClr val="0000FF"/>
+                  </a:solidFill>
+                  <a:latin typeface="Courier New" panose="02070309020205020404" pitchFamily="49" charset="0"/>
+                </a:rPr>
+                <a:t>print</a:t>
+              </a:r>
+              <a:r>
+                <a:rPr lang="en-US" sz="1400" b="1" dirty="0">
+                  <a:solidFill>
+                    <a:srgbClr val="000080"/>
+                  </a:solidFill>
+                  <a:latin typeface="Courier New" panose="02070309020205020404" pitchFamily="49" charset="0"/>
+                </a:rPr>
+                <a:t>(</a:t>
+              </a:r>
+              <a:r>
+                <a:rPr lang="en-US" sz="1400" dirty="0" err="1">
+                  <a:solidFill>
+                    <a:srgbClr val="000000"/>
+                  </a:solidFill>
+                  <a:latin typeface="Courier New" panose="02070309020205020404" pitchFamily="49" charset="0"/>
+                </a:rPr>
+                <a:t>iCount</a:t>
+              </a:r>
+              <a:r>
+                <a:rPr lang="en-US" sz="1400" b="1" dirty="0">
+                  <a:solidFill>
+                    <a:srgbClr val="000080"/>
+                  </a:solidFill>
+                  <a:latin typeface="Courier New" panose="02070309020205020404" pitchFamily="49" charset="0"/>
+                </a:rPr>
+                <a:t>)</a:t>
+              </a:r>
+            </a:p>
+            <a:p>
+              <a:endParaRPr lang="en-US" sz="1400" b="1" dirty="0">
+                <a:solidFill>
+                  <a:srgbClr val="000080"/>
+                </a:solidFill>
+                <a:latin typeface="Courier New" panose="02070309020205020404" pitchFamily="49" charset="0"/>
+              </a:endParaRPr>
+            </a:p>
+            <a:p>
+              <a:r>
+                <a:rPr lang="en-US" sz="1400" dirty="0">
+                  <a:solidFill>
+                    <a:srgbClr val="008000"/>
+                  </a:solidFill>
+                  <a:latin typeface="Courier New" panose="02070309020205020404" pitchFamily="49" charset="0"/>
+                </a:rPr>
+                <a:t># 2. for loop</a:t>
+              </a:r>
+            </a:p>
+            <a:p>
+              <a:r>
+                <a:rPr lang="en-US" sz="1400" dirty="0" err="1">
+                  <a:solidFill>
+                    <a:srgbClr val="000000"/>
+                  </a:solidFill>
+                  <a:latin typeface="Courier New" panose="02070309020205020404" pitchFamily="49" charset="0"/>
+                </a:rPr>
+                <a:t>iCount</a:t>
+              </a:r>
+              <a:r>
+                <a:rPr lang="en-US" sz="1400" dirty="0">
+                  <a:solidFill>
+                    <a:srgbClr val="000000"/>
+                  </a:solidFill>
+                  <a:latin typeface="Courier New" panose="02070309020205020404" pitchFamily="49" charset="0"/>
+                </a:rPr>
+                <a:t> </a:t>
+              </a:r>
+              <a:r>
+                <a:rPr lang="en-US" sz="1400" b="1" dirty="0">
+                  <a:solidFill>
+                    <a:srgbClr val="000080"/>
+                  </a:solidFill>
+                  <a:latin typeface="Courier New" panose="02070309020205020404" pitchFamily="49" charset="0"/>
+                </a:rPr>
+                <a:t>=</a:t>
+              </a:r>
+              <a:r>
+                <a:rPr lang="en-US" sz="1400" dirty="0">
+                  <a:solidFill>
+                    <a:srgbClr val="000000"/>
+                  </a:solidFill>
+                  <a:latin typeface="Courier New" panose="02070309020205020404" pitchFamily="49" charset="0"/>
+                </a:rPr>
+                <a:t> </a:t>
+              </a:r>
+              <a:r>
+                <a:rPr lang="en-US" sz="1400" dirty="0">
+                  <a:solidFill>
+                    <a:srgbClr val="FF0000"/>
+                  </a:solidFill>
+                  <a:latin typeface="Courier New" panose="02070309020205020404" pitchFamily="49" charset="0"/>
+                </a:rPr>
+                <a:t>0</a:t>
+              </a:r>
+            </a:p>
+            <a:p>
+              <a:endParaRPr lang="en-US" sz="1400" b="1" dirty="0">
+                <a:solidFill>
+                  <a:srgbClr val="FF0000"/>
+                </a:solidFill>
+                <a:latin typeface="Courier New" panose="02070309020205020404" pitchFamily="49" charset="0"/>
+              </a:endParaRPr>
+            </a:p>
+            <a:p>
+              <a:r>
+                <a:rPr lang="en-US" sz="1400" b="1" dirty="0">
+                  <a:solidFill>
+                    <a:srgbClr val="0000FF"/>
+                  </a:solidFill>
+                  <a:latin typeface="Courier New" panose="02070309020205020404" pitchFamily="49" charset="0"/>
+                </a:rPr>
+                <a:t>for</a:t>
+              </a:r>
+              <a:r>
+                <a:rPr lang="en-US" sz="1400" dirty="0">
+                  <a:solidFill>
+                    <a:srgbClr val="000000"/>
+                  </a:solidFill>
+                  <a:latin typeface="Courier New" panose="02070309020205020404" pitchFamily="49" charset="0"/>
+                </a:rPr>
+                <a:t> n </a:t>
+              </a:r>
+              <a:r>
+                <a:rPr lang="en-US" sz="1400" b="1" dirty="0">
+                  <a:solidFill>
+                    <a:srgbClr val="0000FF"/>
+                  </a:solidFill>
+                  <a:latin typeface="Courier New" panose="02070309020205020404" pitchFamily="49" charset="0"/>
+                </a:rPr>
+                <a:t>in</a:t>
+              </a:r>
+              <a:r>
+                <a:rPr lang="en-US" sz="1400" dirty="0">
+                  <a:solidFill>
+                    <a:srgbClr val="000000"/>
+                  </a:solidFill>
+                  <a:latin typeface="Courier New" panose="02070309020205020404" pitchFamily="49" charset="0"/>
+                </a:rPr>
+                <a:t> </a:t>
+              </a:r>
+              <a:r>
+                <a:rPr lang="en-US" sz="1400" dirty="0" err="1">
+                  <a:solidFill>
+                    <a:srgbClr val="000000"/>
+                  </a:solidFill>
+                  <a:latin typeface="Courier New" panose="02070309020205020404" pitchFamily="49" charset="0"/>
+                </a:rPr>
+                <a:t>LNumbers</a:t>
+              </a:r>
+              <a:r>
+                <a:rPr lang="en-US" sz="1400" b="1" dirty="0">
+                  <a:solidFill>
+                    <a:srgbClr val="000080"/>
+                  </a:solidFill>
+                  <a:latin typeface="Courier New" panose="02070309020205020404" pitchFamily="49" charset="0"/>
+                </a:rPr>
+                <a:t>:</a:t>
+              </a:r>
+            </a:p>
+            <a:p>
+              <a:r>
+                <a:rPr lang="en-US" sz="1400" b="1" dirty="0">
+                  <a:solidFill>
+                    <a:srgbClr val="000080"/>
+                  </a:solidFill>
+                  <a:latin typeface="Courier New" panose="02070309020205020404" pitchFamily="49" charset="0"/>
+                </a:rPr>
+                <a:t>    </a:t>
+              </a:r>
+              <a:r>
+                <a:rPr lang="en-US" sz="1400" b="1" dirty="0">
+                  <a:solidFill>
+                    <a:srgbClr val="0000FF"/>
+                  </a:solidFill>
+                  <a:latin typeface="Courier New" panose="02070309020205020404" pitchFamily="49" charset="0"/>
+                </a:rPr>
+                <a:t>if</a:t>
+              </a:r>
+              <a:r>
+                <a:rPr lang="en-US" sz="1400" dirty="0">
+                  <a:solidFill>
+                    <a:srgbClr val="000000"/>
+                  </a:solidFill>
+                  <a:latin typeface="Courier New" panose="02070309020205020404" pitchFamily="49" charset="0"/>
+                </a:rPr>
+                <a:t> n </a:t>
+              </a:r>
+              <a:r>
+                <a:rPr lang="en-US" sz="1400" b="1" dirty="0">
+                  <a:solidFill>
+                    <a:srgbClr val="000080"/>
+                  </a:solidFill>
+                  <a:latin typeface="Courier New" panose="02070309020205020404" pitchFamily="49" charset="0"/>
+                </a:rPr>
+                <a:t>&gt;</a:t>
+              </a:r>
+              <a:r>
+                <a:rPr lang="en-US" sz="1400" dirty="0">
+                  <a:solidFill>
+                    <a:srgbClr val="000000"/>
+                  </a:solidFill>
+                  <a:latin typeface="Courier New" panose="02070309020205020404" pitchFamily="49" charset="0"/>
+                </a:rPr>
+                <a:t> </a:t>
+              </a:r>
+              <a:r>
+                <a:rPr lang="en-US" sz="1400" dirty="0">
+                  <a:solidFill>
+                    <a:srgbClr val="FF0000"/>
+                  </a:solidFill>
+                  <a:latin typeface="Courier New" panose="02070309020205020404" pitchFamily="49" charset="0"/>
+                </a:rPr>
+                <a:t>30</a:t>
+              </a:r>
+              <a:r>
+                <a:rPr lang="en-US" sz="1400" b="1" dirty="0">
+                  <a:solidFill>
+                    <a:srgbClr val="000080"/>
+                  </a:solidFill>
+                  <a:latin typeface="Courier New" panose="02070309020205020404" pitchFamily="49" charset="0"/>
+                </a:rPr>
+                <a:t>:</a:t>
+              </a:r>
+            </a:p>
+            <a:p>
+              <a:r>
+                <a:rPr lang="en-US" sz="1400" b="1" dirty="0">
+                  <a:solidFill>
+                    <a:srgbClr val="000080"/>
+                  </a:solidFill>
+                  <a:latin typeface="Courier New" panose="02070309020205020404" pitchFamily="49" charset="0"/>
+                </a:rPr>
+                <a:t>        </a:t>
+              </a:r>
+              <a:r>
+                <a:rPr lang="en-US" sz="1400" dirty="0" err="1">
+                  <a:solidFill>
+                    <a:srgbClr val="000000"/>
+                  </a:solidFill>
+                  <a:latin typeface="Courier New" panose="02070309020205020404" pitchFamily="49" charset="0"/>
+                </a:rPr>
+                <a:t>iCount</a:t>
+              </a:r>
+              <a:r>
+                <a:rPr lang="en-US" sz="1400" dirty="0">
+                  <a:solidFill>
+                    <a:srgbClr val="000000"/>
+                  </a:solidFill>
+                  <a:latin typeface="Courier New" panose="02070309020205020404" pitchFamily="49" charset="0"/>
+                </a:rPr>
+                <a:t> </a:t>
+              </a:r>
+              <a:r>
+                <a:rPr lang="en-US" sz="1400" b="1" dirty="0">
+                  <a:solidFill>
+                    <a:srgbClr val="000080"/>
+                  </a:solidFill>
+                  <a:latin typeface="Courier New" panose="02070309020205020404" pitchFamily="49" charset="0"/>
+                </a:rPr>
+                <a:t>=</a:t>
+              </a:r>
+              <a:r>
+                <a:rPr lang="en-US" sz="1400" dirty="0">
+                  <a:solidFill>
+                    <a:srgbClr val="000000"/>
+                  </a:solidFill>
+                  <a:latin typeface="Courier New" panose="02070309020205020404" pitchFamily="49" charset="0"/>
+                </a:rPr>
+                <a:t> </a:t>
+              </a:r>
+              <a:r>
+                <a:rPr lang="en-US" sz="1400" dirty="0" err="1">
+                  <a:solidFill>
+                    <a:srgbClr val="000000"/>
+                  </a:solidFill>
+                  <a:latin typeface="Courier New" panose="02070309020205020404" pitchFamily="49" charset="0"/>
+                </a:rPr>
+                <a:t>iCount</a:t>
+              </a:r>
+              <a:r>
+                <a:rPr lang="en-US" sz="1400" dirty="0">
+                  <a:solidFill>
+                    <a:srgbClr val="000000"/>
+                  </a:solidFill>
+                  <a:latin typeface="Courier New" panose="02070309020205020404" pitchFamily="49" charset="0"/>
+                </a:rPr>
+                <a:t> </a:t>
+              </a:r>
+              <a:r>
+                <a:rPr lang="en-US" sz="1400" b="1" dirty="0">
+                  <a:solidFill>
+                    <a:srgbClr val="000080"/>
+                  </a:solidFill>
+                  <a:latin typeface="Courier New" panose="02070309020205020404" pitchFamily="49" charset="0"/>
+                </a:rPr>
+                <a:t>+</a:t>
+              </a:r>
+              <a:r>
+                <a:rPr lang="en-US" sz="1400" dirty="0">
+                  <a:solidFill>
+                    <a:srgbClr val="000000"/>
+                  </a:solidFill>
+                  <a:latin typeface="Courier New" panose="02070309020205020404" pitchFamily="49" charset="0"/>
+                </a:rPr>
+                <a:t> </a:t>
+              </a:r>
+              <a:r>
+                <a:rPr lang="en-US" sz="1400" dirty="0">
+                  <a:solidFill>
+                    <a:srgbClr val="FF0000"/>
+                  </a:solidFill>
+                  <a:latin typeface="Courier New" panose="02070309020205020404" pitchFamily="49" charset="0"/>
+                </a:rPr>
+                <a:t>1</a:t>
+              </a:r>
+            </a:p>
+            <a:p>
+              <a:endParaRPr lang="en-US" sz="1400" b="1" dirty="0">
+                <a:solidFill>
+                  <a:srgbClr val="FF0000"/>
+                </a:solidFill>
+                <a:latin typeface="Courier New" panose="02070309020205020404" pitchFamily="49" charset="0"/>
+              </a:endParaRPr>
+            </a:p>
+            <a:p>
+              <a:r>
+                <a:rPr lang="en-US" sz="1400" b="1" dirty="0">
+                  <a:solidFill>
+                    <a:srgbClr val="0000FF"/>
+                  </a:solidFill>
+                  <a:latin typeface="Courier New" panose="02070309020205020404" pitchFamily="49" charset="0"/>
+                </a:rPr>
+                <a:t>print</a:t>
+              </a:r>
+              <a:r>
+                <a:rPr lang="en-US" sz="1400" b="1" dirty="0">
+                  <a:solidFill>
+                    <a:srgbClr val="000080"/>
+                  </a:solidFill>
+                  <a:latin typeface="Courier New" panose="02070309020205020404" pitchFamily="49" charset="0"/>
+                </a:rPr>
+                <a:t>(</a:t>
+              </a:r>
+              <a:r>
+                <a:rPr lang="en-US" sz="1400" dirty="0" err="1">
+                  <a:solidFill>
+                    <a:srgbClr val="000000"/>
+                  </a:solidFill>
+                  <a:latin typeface="Courier New" panose="02070309020205020404" pitchFamily="49" charset="0"/>
+                </a:rPr>
+                <a:t>iCount</a:t>
+              </a:r>
+              <a:r>
+                <a:rPr lang="en-US" sz="1400" b="1" dirty="0">
+                  <a:solidFill>
+                    <a:srgbClr val="000080"/>
+                  </a:solidFill>
+                  <a:latin typeface="Courier New" panose="02070309020205020404" pitchFamily="49" charset="0"/>
+                </a:rPr>
+                <a:t>)</a:t>
+              </a:r>
+              <a:endParaRPr lang="en-US" sz="3200" dirty="0"/>
+            </a:p>
+          </p:txBody>
+        </p:sp>
+      </p:grpSp>
     </p:spTree>
     <p:extLst>
       <p:ext uri="{BB962C8B-B14F-4D97-AF65-F5344CB8AC3E}">
@@ -26849,6 +29959,81 @@
   <p:clrMapOvr>
     <a:masterClrMapping/>
   </p:clrMapOvr>
+  <p:timing>
+    <p:tnLst>
+      <p:par>
+        <p:cTn id="1" dur="indefinite" restart="never" nodeType="tmRoot">
+          <p:childTnLst>
+            <p:seq concurrent="1" nextAc="seek">
+              <p:cTn id="2" dur="indefinite" nodeType="mainSeq">
+                <p:childTnLst>
+                  <p:par>
+                    <p:cTn id="3" fill="hold">
+                      <p:stCondLst>
+                        <p:cond delay="indefinite"/>
+                      </p:stCondLst>
+                      <p:childTnLst>
+                        <p:par>
+                          <p:cTn id="4" fill="hold">
+                            <p:stCondLst>
+                              <p:cond delay="0"/>
+                            </p:stCondLst>
+                            <p:childTnLst>
+                              <p:par>
+                                <p:cTn id="5" presetID="1" presetClass="entr" presetSubtype="0" fill="hold" nodeType="clickEffect">
+                                  <p:stCondLst>
+                                    <p:cond delay="0"/>
+                                  </p:stCondLst>
+                                  <p:childTnLst>
+                                    <p:set>
+                                      <p:cBhvr>
+                                        <p:cTn id="6" dur="1" fill="hold">
+                                          <p:stCondLst>
+                                            <p:cond delay="0"/>
+                                          </p:stCondLst>
+                                        </p:cTn>
+                                        <p:tgtEl>
+                                          <p:spTgt spid="11"/>
+                                        </p:tgtEl>
+                                        <p:attrNameLst>
+                                          <p:attrName>style.visibility</p:attrName>
+                                        </p:attrNameLst>
+                                      </p:cBhvr>
+                                      <p:to>
+                                        <p:strVal val="visible"/>
+                                      </p:to>
+                                    </p:set>
+                                  </p:childTnLst>
+                                </p:cTn>
+                              </p:par>
+                            </p:childTnLst>
+                          </p:cTn>
+                        </p:par>
+                      </p:childTnLst>
+                    </p:cTn>
+                  </p:par>
+                </p:childTnLst>
+              </p:cTn>
+              <p:prevCondLst>
+                <p:cond evt="onPrev" delay="0">
+                  <p:tgtEl>
+                    <p:sldTgt/>
+                  </p:tgtEl>
+                </p:cond>
+              </p:prevCondLst>
+              <p:nextCondLst>
+                <p:cond evt="onNext" delay="0">
+                  <p:tgtEl>
+                    <p:sldTgt/>
+                  </p:tgtEl>
+                </p:cond>
+              </p:nextCondLst>
+            </p:seq>
+          </p:childTnLst>
+        </p:cTn>
+      </p:par>
+    </p:tnLst>
+  </p:timing>
 </p:sld>
 </file>
 
@@ -29407,6 +32592,10 @@
               <a:r>
                 <a:rPr lang="de-DE" sz="1400" dirty="0" err="1"/>
                 <a:t>condition</a:t>
+              </a:r>
+              <a:r>
+                <a:rPr lang="de-DE" sz="1400" dirty="0"/>
+                <a:t/>
               </a:r>
               <a:br>
                 <a:rPr lang="de-DE" sz="1400" dirty="0"/>
@@ -34787,6 +37976,10 @@
               <a:r>
                 <a:rPr lang="de-DE" sz="1400" dirty="0" err="1"/>
                 <a:t>condition</a:t>
+              </a:r>
+              <a:r>
+                <a:rPr lang="de-DE" sz="1400" dirty="0"/>
+                <a:t/>
               </a:r>
               <a:br>
                 <a:rPr lang="de-DE" sz="1400" dirty="0"/>

--- a/1-Introduction-to-Python/day-1/3-controlstructures/efl_Python_control_structures.pptx
+++ b/1-Introduction-to-Python/day-1/3-controlstructures/efl_Python_control_structures.pptx
@@ -303,7 +303,7 @@
           <a:p>
             <a:fld id="{EF29E003-2B2A-4318-A245-D8A5FC65C315}" type="datetimeFigureOut">
               <a:rPr lang="en-US" smtClean="0"/>
-              <a:t>9/29/2020</a:t>
+              <a:t>12/1/2021</a:t>
             </a:fld>
             <a:endParaRPr lang="en-US"/>
           </a:p>
@@ -481,7 +481,7 @@
           <a:p>
             <a:fld id="{74429039-8DF4-481F-80BC-75E2FE338923}" type="datetimeFigureOut">
               <a:rPr lang="en-US" smtClean="0"/>
-              <a:t>9/29/2020</a:t>
+              <a:t>12/1/2021</a:t>
             </a:fld>
             <a:endParaRPr lang="en-US"/>
           </a:p>
@@ -2204,7 +2204,7 @@
           <a:p>
             <a:r>
               <a:rPr lang="en-US"/>
-              <a:t>05.10.2020</a:t>
+              <a:t>20.12.2021</a:t>
             </a:r>
             <a:endParaRPr lang="en-US" dirty="0"/>
           </a:p>
@@ -2433,7 +2433,7 @@
           <a:p>
             <a:r>
               <a:rPr lang="en-US"/>
-              <a:t>05.10.2020</a:t>
+              <a:t>20.12.2021</a:t>
             </a:r>
           </a:p>
         </p:txBody>
@@ -2686,7 +2686,7 @@
           <a:p>
             <a:r>
               <a:rPr lang="en-US"/>
-              <a:t>05.10.2020</a:t>
+              <a:t>20.12.2021</a:t>
             </a:r>
           </a:p>
         </p:txBody>
@@ -2964,7 +2964,7 @@
           <a:p>
             <a:r>
               <a:rPr lang="en-US"/>
-              <a:t>05.10.2020</a:t>
+              <a:t>20.12.2021</a:t>
             </a:r>
             <a:endParaRPr lang="en-US" dirty="0"/>
           </a:p>
@@ -3481,8 +3481,12 @@
           </a:p>
           <a:p>
             <a:r>
+              <a:rPr lang="de-DE"/>
+              <a:t>Dr. Jens </a:t>
+            </a:r>
+            <a:r>
               <a:rPr lang="de-DE" dirty="0"/>
-              <a:t>Jens Lausen</a:t>
+              <a:t>Lausen</a:t>
             </a:r>
             <a:endParaRPr lang="en-US" dirty="0"/>
           </a:p>
@@ -3511,7 +3515,7 @@
           <a:p>
             <a:r>
               <a:rPr lang="en-US"/>
-              <a:t>05.10.2020</a:t>
+              <a:t>20.12.2021</a:t>
             </a:r>
             <a:endParaRPr lang="en-US" dirty="0"/>
           </a:p>
@@ -3662,7 +3666,7 @@
           <a:p>
             <a:r>
               <a:rPr lang="en-US"/>
-              <a:t>05.10.2020</a:t>
+              <a:t>20.12.2021</a:t>
             </a:r>
           </a:p>
         </p:txBody>
@@ -4726,7 +4730,7 @@
           <a:p>
             <a:r>
               <a:rPr lang="en-US"/>
-              <a:t>05.10.2020</a:t>
+              <a:t>20.12.2021</a:t>
             </a:r>
           </a:p>
         </p:txBody>
@@ -5960,7 +5964,7 @@
           <a:p>
             <a:r>
               <a:rPr lang="en-US"/>
-              <a:t>05.10.2020</a:t>
+              <a:t>20.12.2021</a:t>
             </a:r>
           </a:p>
         </p:txBody>
@@ -7488,7 +7492,7 @@
           <a:p>
             <a:r>
               <a:rPr lang="en-US"/>
-              <a:t>05.10.2020</a:t>
+              <a:t>20.12.2021</a:t>
             </a:r>
           </a:p>
         </p:txBody>
@@ -10562,7 +10566,7 @@
           <a:p>
             <a:r>
               <a:rPr lang="en-US"/>
-              <a:t>05.10.2020</a:t>
+              <a:t>20.12.2021</a:t>
             </a:r>
           </a:p>
         </p:txBody>
@@ -12555,7 +12559,7 @@
           <a:p>
             <a:r>
               <a:rPr lang="en-US"/>
-              <a:t>05.10.2020</a:t>
+              <a:t>20.12.2021</a:t>
             </a:r>
           </a:p>
         </p:txBody>
@@ -13526,7 +13530,7 @@
           <a:p>
             <a:r>
               <a:rPr lang="en-US"/>
-              <a:t>05.10.2020</a:t>
+              <a:t>20.12.2021</a:t>
             </a:r>
           </a:p>
         </p:txBody>
@@ -13724,7 +13728,7 @@
           <a:p>
             <a:r>
               <a:rPr lang="en-US"/>
-              <a:t>05.10.2020</a:t>
+              <a:t>20.12.2021</a:t>
             </a:r>
           </a:p>
         </p:txBody>
@@ -15239,7 +15243,7 @@
           <a:p>
             <a:r>
               <a:rPr lang="en-US"/>
-              <a:t>05.10.2020</a:t>
+              <a:t>20.12.2021</a:t>
             </a:r>
           </a:p>
         </p:txBody>
@@ -15435,7 +15439,7 @@
           <a:p>
             <a:r>
               <a:rPr lang="en-US"/>
-              <a:t>05.10.2020</a:t>
+              <a:t>20.12.2021</a:t>
             </a:r>
           </a:p>
         </p:txBody>
@@ -16757,7 +16761,7 @@
           <a:p>
             <a:r>
               <a:rPr lang="en-US"/>
-              <a:t>05.10.2020</a:t>
+              <a:t>20.12.2021</a:t>
             </a:r>
           </a:p>
         </p:txBody>
@@ -17031,7 +17035,7 @@
           <a:p>
             <a:r>
               <a:rPr lang="en-US"/>
-              <a:t>05.10.2020</a:t>
+              <a:t>20.12.2021</a:t>
             </a:r>
           </a:p>
         </p:txBody>
@@ -17246,7 +17250,7 @@
             </a:r>
             <a:r>
               <a:rPr lang="de-DE" dirty="0" err="1"/>
-              <a:t>becomse</a:t>
+              <a:t>becomes</a:t>
             </a:r>
             <a:r>
               <a:rPr lang="de-DE" dirty="0"/>
@@ -18052,6 +18056,169 @@
           </a:prstGeom>
         </p:spPr>
       </p:pic>
+      <p:sp>
+        <p:nvSpPr>
+          <p:cNvPr id="10" name="TextBox 9">
+            <a:extLst>
+              <a:ext uri="{FF2B5EF4-FFF2-40B4-BE49-F238E27FC236}">
+                <a16:creationId xmlns:a16="http://schemas.microsoft.com/office/drawing/2014/main" id="{4FD47C5B-C2B6-4DE1-A90F-24F76415C20B}"/>
+              </a:ext>
+            </a:extLst>
+          </p:cNvPr>
+          <p:cNvSpPr txBox="1"/>
+          <p:nvPr/>
+        </p:nvSpPr>
+        <p:spPr>
+          <a:xfrm>
+            <a:off x="7962990" y="3429000"/>
+            <a:ext cx="3910519" cy="1477328"/>
+          </a:xfrm>
+          <a:prstGeom prst="rect">
+            <a:avLst/>
+          </a:prstGeom>
+          <a:solidFill>
+            <a:srgbClr val="FFFF00"/>
+          </a:solidFill>
+          <a:ln>
+            <a:solidFill>
+              <a:schemeClr val="tx1"/>
+            </a:solidFill>
+          </a:ln>
+        </p:spPr>
+        <p:txBody>
+          <a:bodyPr wrap="square" rtlCol="0">
+            <a:spAutoFit/>
+          </a:bodyPr>
+          <a:lstStyle/>
+          <a:p>
+            <a:r>
+              <a:rPr lang="de-DE" dirty="0"/>
+              <a:t>Be </a:t>
+            </a:r>
+            <a:r>
+              <a:rPr lang="de-DE" dirty="0" err="1"/>
+              <a:t>careful</a:t>
+            </a:r>
+            <a:r>
+              <a:rPr lang="de-DE" dirty="0"/>
+              <a:t>!</a:t>
+            </a:r>
+          </a:p>
+          <a:p>
+            <a:endParaRPr lang="de-DE" dirty="0"/>
+          </a:p>
+          <a:p>
+            <a:pPr marL="285750" indent="-285750">
+              <a:buFont typeface="Arial" panose="020B0604020202020204" pitchFamily="34" charset="0"/>
+              <a:buChar char="•"/>
+            </a:pPr>
+            <a:r>
+              <a:rPr lang="de-DE" dirty="0" err="1"/>
+              <a:t>Avoid</a:t>
+            </a:r>
+            <a:r>
+              <a:rPr lang="de-DE" dirty="0"/>
+              <a:t> infinite </a:t>
+            </a:r>
+            <a:r>
+              <a:rPr lang="de-DE" dirty="0" err="1"/>
+              <a:t>loops</a:t>
+            </a:r>
+            <a:r>
+              <a:rPr lang="de-DE" dirty="0"/>
+              <a:t> </a:t>
+            </a:r>
+            <a:r>
+              <a:rPr lang="de-DE" dirty="0" err="1"/>
+              <a:t>if</a:t>
+            </a:r>
+            <a:r>
+              <a:rPr lang="de-DE" dirty="0"/>
+              <a:t> not </a:t>
+            </a:r>
+            <a:r>
+              <a:rPr lang="de-DE" dirty="0" err="1"/>
+              <a:t>necessary</a:t>
+            </a:r>
+            <a:endParaRPr lang="de-DE" dirty="0"/>
+          </a:p>
+          <a:p>
+            <a:pPr marL="285750" indent="-285750">
+              <a:buFont typeface="Arial" panose="020B0604020202020204" pitchFamily="34" charset="0"/>
+              <a:buChar char="•"/>
+            </a:pPr>
+            <a:r>
+              <a:rPr lang="de-DE" dirty="0" err="1"/>
+              <a:t>Avoid</a:t>
+            </a:r>
+            <a:r>
+              <a:rPr lang="de-DE" dirty="0"/>
+              <a:t> </a:t>
+            </a:r>
+            <a:r>
+              <a:rPr lang="de-DE" dirty="0" err="1"/>
+              <a:t>loops</a:t>
+            </a:r>
+            <a:r>
+              <a:rPr lang="de-DE" dirty="0"/>
+              <a:t> </a:t>
+            </a:r>
+            <a:r>
+              <a:rPr lang="de-DE" dirty="0" err="1"/>
+              <a:t>that</a:t>
+            </a:r>
+            <a:r>
+              <a:rPr lang="de-DE" dirty="0"/>
+              <a:t> </a:t>
+            </a:r>
+            <a:r>
+              <a:rPr lang="de-DE" dirty="0" err="1"/>
+              <a:t>increase</a:t>
+            </a:r>
+            <a:r>
+              <a:rPr lang="de-DE" dirty="0"/>
+              <a:t> </a:t>
+            </a:r>
+            <a:r>
+              <a:rPr lang="de-DE" dirty="0" err="1"/>
+              <a:t>memory</a:t>
+            </a:r>
+            <a:r>
+              <a:rPr lang="de-DE" dirty="0"/>
+              <a:t> </a:t>
+            </a:r>
+            <a:r>
+              <a:rPr lang="de-DE" dirty="0" err="1"/>
+              <a:t>usage</a:t>
+            </a:r>
+            <a:r>
+              <a:rPr lang="de-DE" dirty="0"/>
+              <a:t> </a:t>
+            </a:r>
+            <a:r>
+              <a:rPr lang="de-DE" dirty="0" err="1"/>
+              <a:t>by</a:t>
+            </a:r>
+            <a:r>
+              <a:rPr lang="de-DE" dirty="0"/>
+              <a:t> </a:t>
+            </a:r>
+            <a:r>
+              <a:rPr lang="de-DE" dirty="0" err="1"/>
+              <a:t>each</a:t>
+            </a:r>
+            <a:r>
+              <a:rPr lang="de-DE" dirty="0"/>
+              <a:t> </a:t>
+            </a:r>
+            <a:r>
+              <a:rPr lang="de-DE" dirty="0" err="1"/>
+              <a:t>iteration</a:t>
+            </a:r>
+            <a:endParaRPr lang="en-US" dirty="0"/>
+          </a:p>
+        </p:txBody>
+      </p:sp>
     </p:spTree>
     <p:extLst>
       <p:ext uri="{BB962C8B-B14F-4D97-AF65-F5344CB8AC3E}">
@@ -18187,6 +18354,51 @@
                       </p:childTnLst>
                     </p:cTn>
                   </p:par>
+                  <p:par>
+                    <p:cTn id="13" fill="hold">
+                      <p:stCondLst>
+                        <p:cond delay="indefinite"/>
+                      </p:stCondLst>
+                      <p:childTnLst>
+                        <p:par>
+                          <p:cTn id="14" fill="hold">
+                            <p:stCondLst>
+                              <p:cond delay="0"/>
+                            </p:stCondLst>
+                            <p:childTnLst>
+                              <p:par>
+                                <p:cTn id="15" presetID="1" presetClass="entr" presetSubtype="0" fill="hold" grpId="0" nodeType="clickEffect">
+                                  <p:stCondLst>
+                                    <p:cond delay="0"/>
+                                  </p:stCondLst>
+                                  <p:childTnLst>
+                                    <p:set>
+                                      <p:cBhvr>
+                                        <p:cTn id="16" dur="1" fill="hold">
+                                          <p:stCondLst>
+                                            <p:cond delay="0"/>
+                                          </p:stCondLst>
+                                        </p:cTn>
+                                        <p:tgtEl>
+                                          <p:spTgt spid="10"/>
+                                        </p:tgtEl>
+                                        <p:attrNameLst>
+                                          <p:attrName>style.visibility</p:attrName>
+                                        </p:attrNameLst>
+                                      </p:cBhvr>
+                                      <p:to>
+                                        <p:strVal val="visible"/>
+                                      </p:to>
+                                    </p:set>
+                                  </p:childTnLst>
+                                </p:cTn>
+                              </p:par>
+                            </p:childTnLst>
+                          </p:cTn>
+                        </p:par>
+                      </p:childTnLst>
+                    </p:cTn>
+                  </p:par>
                 </p:childTnLst>
               </p:cTn>
               <p:prevCondLst>
@@ -18208,6 +18420,9 @@
         </p:cTn>
       </p:par>
     </p:tnLst>
+    <p:bldLst>
+      <p:bldP spid="10" grpId="0" animBg="1"/>
+    </p:bldLst>
   </p:timing>
 </p:sld>
 </file>
@@ -18281,7 +18496,7 @@
           <a:p>
             <a:r>
               <a:rPr lang="en-US"/>
-              <a:t>05.10.2020</a:t>
+              <a:t>20.12.2021</a:t>
             </a:r>
           </a:p>
         </p:txBody>
@@ -19507,7 +19722,7 @@
           <a:p>
             <a:r>
               <a:rPr lang="en-US"/>
-              <a:t>05.10.2020</a:t>
+              <a:t>20.12.2021</a:t>
             </a:r>
           </a:p>
         </p:txBody>
@@ -21566,7 +21781,7 @@
           <a:p>
             <a:r>
               <a:rPr lang="en-US"/>
-              <a:t>05.10.2020</a:t>
+              <a:t>20.12.2021</a:t>
             </a:r>
           </a:p>
         </p:txBody>
@@ -23583,7 +23798,7 @@
           <a:p>
             <a:r>
               <a:rPr lang="en-US"/>
-              <a:t>05.10.2020</a:t>
+              <a:t>20.12.2021</a:t>
             </a:r>
           </a:p>
         </p:txBody>
@@ -24270,7 +24485,7 @@
           <a:p>
             <a:r>
               <a:rPr lang="en-US"/>
-              <a:t>05.10.2020</a:t>
+              <a:t>20.12.2021</a:t>
             </a:r>
           </a:p>
         </p:txBody>
@@ -26435,7 +26650,7 @@
           <a:p>
             <a:r>
               <a:rPr lang="en-US"/>
-              <a:t>05.10.2020</a:t>
+              <a:t>20.12.2021</a:t>
             </a:r>
           </a:p>
         </p:txBody>
@@ -26923,7 +27138,7 @@
           <a:p>
             <a:r>
               <a:rPr lang="en-US"/>
-              <a:t>05.10.2020</a:t>
+              <a:t>20.12.2021</a:t>
             </a:r>
           </a:p>
         </p:txBody>
@@ -27504,7 +27719,7 @@
           <a:p>
             <a:r>
               <a:rPr lang="en-US"/>
-              <a:t>05.10.2020</a:t>
+              <a:t>20.12.2021</a:t>
             </a:r>
           </a:p>
         </p:txBody>
@@ -27729,7 +27944,7 @@
           <a:p>
             <a:r>
               <a:rPr lang="en-US"/>
-              <a:t>05.10.2020</a:t>
+              <a:t>20.12.2021</a:t>
             </a:r>
           </a:p>
         </p:txBody>
@@ -30445,7 +30660,7 @@
           <a:p>
             <a:r>
               <a:rPr lang="en-US"/>
-              <a:t>05.10.2020</a:t>
+              <a:t>20.12.2021</a:t>
             </a:r>
           </a:p>
         </p:txBody>
@@ -31190,7 +31405,7 @@
           <a:p>
             <a:r>
               <a:rPr lang="en-US"/>
-              <a:t>05.10.2020</a:t>
+              <a:t>20.12.2021</a:t>
             </a:r>
           </a:p>
         </p:txBody>
@@ -33069,7 +33284,7 @@
           <a:p>
             <a:r>
               <a:rPr lang="en-US"/>
-              <a:t>05.10.2020</a:t>
+              <a:t>20.12.2021</a:t>
             </a:r>
           </a:p>
         </p:txBody>
@@ -33978,7 +34193,7 @@
           <a:p>
             <a:r>
               <a:rPr lang="en-US"/>
-              <a:t>05.10.2020</a:t>
+              <a:t>20.12.2021</a:t>
             </a:r>
           </a:p>
         </p:txBody>
@@ -34178,7 +34393,7 @@
           <a:p>
             <a:r>
               <a:rPr lang="en-US"/>
-              <a:t>05.10.2020</a:t>
+              <a:t>20.12.2021</a:t>
             </a:r>
           </a:p>
         </p:txBody>
